--- a/docs/통계분석_기말과제_5조.pptx
+++ b/docs/통계분석_기말과제_5조.pptx
@@ -128,6 +128,11 @@
       </a:defRPr>
     </a:lvl9pPr>
   </p:defaultTextStyle>
+  <p:extLst>
+    <p:ext uri="{EFAFB233-063F-42B5-8137-9DF3F51BA10A}">
+      <p15:sldGuideLst xmlns:p15="http://schemas.microsoft.com/office/powerpoint/2012/main"/>
+    </p:ext>
+  </p:extLst>
 </p:presentation>
 </file>
 
@@ -1276,7 +1281,7 @@
   <dgm:whole/>
   <dgm:extLst>
     <a:ext uri="http://schemas.microsoft.com/office/drawing/2008/diagram">
-      <dsp:dataModelExt xmlns:dsp="http://schemas.microsoft.com/office/drawing/2008/diagram" relId="rId6" minVer="http://schemas.openxmlformats.org/drawingml/2006/diagram"/>
+      <dsp:dataModelExt xmlns:dsp="http://schemas.microsoft.com/office/drawing/2008/diagram" relId="rId7" minVer="http://schemas.openxmlformats.org/drawingml/2006/diagram"/>
     </a:ext>
   </dgm:extLst>
 </dgm:dataModel>
@@ -4441,20 +4446,167 @@
                 <a:effectLst/>
                 <a:latin typeface=".AppleSystemUIFont"/>
               </a:rPr>
-              <a:t>화면에 보이는 그래프는 변수들의 분포를 시각적으로 확인한 결과입니다</a:t>
-            </a:r>
-            <a:r>
-              <a:rPr lang="en-US" altLang="ko-KR" dirty="0">
+              <a:t>화면에 보이는 그래프는 </a:t>
+            </a:r>
+            <a:r>
+              <a:rPr lang="ko-KR" altLang="en-US" dirty="0" err="1">
                 <a:solidFill>
                   <a:srgbClr val="0E0E0E"/>
                 </a:solidFill>
                 <a:effectLst/>
                 <a:latin typeface=".AppleSystemUIFont"/>
               </a:rPr>
+              <a:t>타켓</a:t>
+            </a:r>
+            <a:r>
+              <a:rPr lang="ko-KR" altLang="en-US" dirty="0">
+                <a:solidFill>
+                  <a:srgbClr val="0E0E0E"/>
+                </a:solidFill>
+                <a:effectLst/>
+                <a:latin typeface=".AppleSystemUIFont"/>
+              </a:rPr>
+              <a:t> 변수인 출산율과 </a:t>
+            </a:r>
+            <a:r>
+              <a:rPr lang="ko-KR" altLang="en-US" dirty="0" err="1">
+                <a:solidFill>
+                  <a:srgbClr val="0E0E0E"/>
+                </a:solidFill>
+                <a:effectLst/>
+                <a:latin typeface=".AppleSystemUIFont"/>
+              </a:rPr>
+              <a:t>피쳐</a:t>
+            </a:r>
+            <a:r>
+              <a:rPr lang="ko-KR" altLang="en-US" dirty="0">
+                <a:solidFill>
+                  <a:srgbClr val="0E0E0E"/>
+                </a:solidFill>
+                <a:effectLst/>
+                <a:latin typeface=".AppleSystemUIFont"/>
+              </a:rPr>
+              <a:t> </a:t>
+            </a:r>
+            <a:r>
+              <a:rPr lang="ko-KR" altLang="en-US" dirty="0" err="1">
+                <a:solidFill>
+                  <a:srgbClr val="0E0E0E"/>
+                </a:solidFill>
+                <a:effectLst/>
+                <a:latin typeface=".AppleSystemUIFont"/>
+              </a:rPr>
+              <a:t>변수들과의</a:t>
+            </a:r>
+            <a:r>
+              <a:rPr lang="ko-KR" altLang="en-US" dirty="0">
+                <a:solidFill>
+                  <a:srgbClr val="0E0E0E"/>
+                </a:solidFill>
+                <a:effectLst/>
+                <a:latin typeface=".AppleSystemUIFont"/>
+              </a:rPr>
+              <a:t> 연도별 변화 추세를 </a:t>
+            </a:r>
+            <a:r>
+              <a:rPr lang="ko-KR" altLang="en-US" dirty="0" err="1">
+                <a:solidFill>
+                  <a:srgbClr val="0E0E0E"/>
+                </a:solidFill>
+                <a:effectLst/>
+                <a:latin typeface=".AppleSystemUIFont"/>
+              </a:rPr>
+              <a:t>시각화한것입니다</a:t>
+            </a:r>
+            <a:r>
+              <a:rPr lang="en-US" altLang="ko-KR" dirty="0">
+                <a:solidFill>
+                  <a:srgbClr val="0E0E0E"/>
+                </a:solidFill>
+                <a:effectLst/>
+                <a:latin typeface=".AppleSystemUIFont"/>
+              </a:rPr>
               <a:t>.</a:t>
             </a:r>
           </a:p>
           <a:p>
+            <a:pPr marL="0" marR="0" lvl="0" indent="0" algn="l" defTabSz="914400" rtl="0" eaLnBrk="1" fontAlgn="auto" latinLnBrk="1" hangingPunct="1">
+              <a:lnSpc>
+                <a:spcPct val="100000"/>
+              </a:lnSpc>
+              <a:spcBef>
+                <a:spcPts val="0"/>
+              </a:spcBef>
+              <a:spcAft>
+                <a:spcPts val="0"/>
+              </a:spcAft>
+              <a:buClrTx/>
+              <a:buSzTx/>
+              <a:buFontTx/>
+              <a:buNone/>
+              <a:tabLst/>
+              <a:defRPr/>
+            </a:pPr>
+            <a:r>
+              <a:rPr kumimoji="1" lang="ko-KR" altLang="en-US" dirty="0">
+                <a:solidFill>
+                  <a:srgbClr val="0E0E0E"/>
+                </a:solidFill>
+                <a:effectLst/>
+                <a:latin typeface=".AppleSystemUIFont"/>
+              </a:rPr>
+              <a:t>각 그래프에서 파란색 선은 </a:t>
+            </a:r>
+            <a:r>
+              <a:rPr kumimoji="1" lang="ko-KR" altLang="en-US" dirty="0" err="1">
+                <a:solidFill>
+                  <a:srgbClr val="0E0E0E"/>
+                </a:solidFill>
+                <a:effectLst/>
+                <a:latin typeface=".AppleSystemUIFont"/>
+              </a:rPr>
+              <a:t>출산률이고</a:t>
+            </a:r>
+            <a:r>
+              <a:rPr kumimoji="1" lang="ko-KR" altLang="en-US" dirty="0">
+                <a:solidFill>
+                  <a:srgbClr val="0E0E0E"/>
+                </a:solidFill>
+                <a:effectLst/>
+                <a:latin typeface=".AppleSystemUIFont"/>
+              </a:rPr>
+              <a:t> 다른 색깔의 선은 </a:t>
+            </a:r>
+            <a:r>
+              <a:rPr kumimoji="1" lang="ko-KR" altLang="en-US" dirty="0" err="1">
+                <a:solidFill>
+                  <a:srgbClr val="0E0E0E"/>
+                </a:solidFill>
+                <a:effectLst/>
+                <a:latin typeface=".AppleSystemUIFont"/>
+              </a:rPr>
+              <a:t>피쳐변수의</a:t>
+            </a:r>
+            <a:r>
+              <a:rPr kumimoji="1" lang="ko-KR" altLang="en-US" dirty="0">
+                <a:solidFill>
+                  <a:srgbClr val="0E0E0E"/>
+                </a:solidFill>
+                <a:effectLst/>
+                <a:latin typeface=".AppleSystemUIFont"/>
+              </a:rPr>
+              <a:t> 추세입니다</a:t>
+            </a:r>
+            <a:r>
+              <a:rPr kumimoji="1" lang="en-US" altLang="ko-KR" dirty="0">
+                <a:solidFill>
+                  <a:srgbClr val="0E0E0E"/>
+                </a:solidFill>
+                <a:effectLst/>
+                <a:latin typeface=".AppleSystemUIFont"/>
+              </a:rPr>
+              <a:t>.</a:t>
+            </a:r>
             <a:endParaRPr kumimoji="1" lang="ko-KR" altLang="en-US" dirty="0"/>
           </a:p>
         </p:txBody>
@@ -4750,169 +4902,649 @@
           <a:lstStyle/>
           <a:p>
             <a:r>
-              <a:rPr kumimoji="1" lang="ko-KR" altLang="en-US" dirty="0"/>
-              <a:t>이번 슬라이드에서는 사회적 요인에 대한 로지스틱 회귀분석 결과를 </a:t>
-            </a:r>
-            <a:r>
-              <a:rPr kumimoji="1" lang="ko-KR" altLang="en-US" dirty="0" err="1"/>
+              <a:rPr lang="ko-KR" altLang="en-US" dirty="0">
+                <a:solidFill>
+                  <a:srgbClr val="0E0E0E"/>
+                </a:solidFill>
+                <a:effectLst/>
+                <a:latin typeface=".AppleSystemUIFont"/>
+              </a:rPr>
+              <a:t>이번 슬라이드에서는 </a:t>
+            </a:r>
+            <a:r>
+              <a:rPr lang="ko-KR" altLang="en-US" b="1" dirty="0">
+                <a:solidFill>
+                  <a:srgbClr val="0E0E0E"/>
+                </a:solidFill>
+                <a:effectLst/>
+                <a:latin typeface=".AppleSystemUIFont"/>
+              </a:rPr>
+              <a:t>경제적 요인</a:t>
+            </a:r>
+            <a:r>
+              <a:rPr lang="ko-KR" altLang="en-US" dirty="0">
+                <a:solidFill>
+                  <a:srgbClr val="0E0E0E"/>
+                </a:solidFill>
+                <a:effectLst/>
+                <a:latin typeface=".AppleSystemUIFont"/>
+              </a:rPr>
+              <a:t>에 대한 로지스틱 회귀분석 결과를 </a:t>
+            </a:r>
+            <a:r>
+              <a:rPr lang="ko-KR" altLang="en-US" dirty="0" err="1">
+                <a:solidFill>
+                  <a:srgbClr val="0E0E0E"/>
+                </a:solidFill>
+                <a:effectLst/>
+                <a:latin typeface=".AppleSystemUIFont"/>
+              </a:rPr>
               <a:t>설명드리겠습니다</a:t>
             </a:r>
             <a:r>
-              <a:rPr kumimoji="1" lang="en-US" altLang="ko-KR" dirty="0"/>
+              <a:rPr lang="en-US" altLang="ko-KR" dirty="0">
+                <a:solidFill>
+                  <a:srgbClr val="0E0E0E"/>
+                </a:solidFill>
+                <a:effectLst/>
+                <a:latin typeface=".AppleSystemUIFont"/>
+              </a:rPr>
               <a:t>.</a:t>
             </a:r>
           </a:p>
           <a:p>
-            <a:endParaRPr kumimoji="1" lang="en-US" altLang="ko-KR" dirty="0"/>
-          </a:p>
-          <a:p>
-            <a:r>
-              <a:rPr kumimoji="1" lang="ko-KR" altLang="en-US" dirty="0"/>
-              <a:t>분석 변수로는 </a:t>
-            </a:r>
-            <a:r>
-              <a:rPr kumimoji="1" lang="ko-KR" altLang="en-US" dirty="0" err="1"/>
-              <a:t>도시화률</a:t>
-            </a:r>
-            <a:r>
-              <a:rPr kumimoji="1" lang="en-US" altLang="ko-KR" dirty="0"/>
+            <a:endParaRPr lang="en-US" altLang="ko-KR" dirty="0">
+              <a:solidFill>
+                <a:srgbClr val="0E0E0E"/>
+              </a:solidFill>
+              <a:effectLst/>
+              <a:latin typeface=".AppleSystemUIFont"/>
+            </a:endParaRPr>
+          </a:p>
+          <a:p>
+            <a:pPr marL="0" marR="0" lvl="0" indent="0" algn="l" defTabSz="914400" rtl="0" eaLnBrk="1" fontAlgn="auto" latinLnBrk="1" hangingPunct="1">
+              <a:lnSpc>
+                <a:spcPct val="100000"/>
+              </a:lnSpc>
+              <a:spcBef>
+                <a:spcPts val="0"/>
+              </a:spcBef>
+              <a:spcAft>
+                <a:spcPts val="0"/>
+              </a:spcAft>
+              <a:buClrTx/>
+              <a:buSzTx/>
+              <a:buFontTx/>
+              <a:buNone/>
+              <a:tabLst/>
+              <a:defRPr/>
+            </a:pPr>
+            <a:r>
+              <a:rPr lang="ko-KR" altLang="en-US" dirty="0">
+                <a:solidFill>
+                  <a:srgbClr val="0E0E0E"/>
+                </a:solidFill>
+                <a:effectLst/>
+                <a:latin typeface=".AppleSystemUIFont"/>
+              </a:rPr>
+              <a:t>분석 과정에서 출산율을 이항형 변수로 변환하였고</a:t>
+            </a:r>
+            <a:r>
+              <a:rPr lang="en-US" altLang="ko-KR" dirty="0">
+                <a:solidFill>
+                  <a:srgbClr val="0E0E0E"/>
+                </a:solidFill>
+                <a:effectLst/>
+                <a:latin typeface=".AppleSystemUIFont"/>
+              </a:rPr>
               <a:t>, </a:t>
             </a:r>
             <a:r>
-              <a:rPr kumimoji="1" lang="ko-KR" altLang="en-US" dirty="0"/>
-              <a:t>교육수준 지표</a:t>
-            </a:r>
-            <a:r>
-              <a:rPr kumimoji="1" lang="en-US" altLang="ko-KR" dirty="0"/>
+              <a:rPr lang="ko-KR" altLang="en-US" dirty="0">
+                <a:solidFill>
+                  <a:srgbClr val="0E0E0E"/>
+                </a:solidFill>
+                <a:effectLst/>
+                <a:latin typeface=".AppleSystemUIFont"/>
+              </a:rPr>
+              <a:t>출생아 수를 출산율의 가중치로 적용하여 모델링의 신뢰성을 높였습니다</a:t>
+            </a:r>
+            <a:r>
+              <a:rPr lang="en-US" altLang="ko-KR" dirty="0">
+                <a:solidFill>
+                  <a:srgbClr val="0E0E0E"/>
+                </a:solidFill>
+                <a:effectLst/>
+                <a:latin typeface=".AppleSystemUIFont"/>
+              </a:rPr>
+              <a:t>.</a:t>
+            </a:r>
+          </a:p>
+          <a:p>
+            <a:br>
+              <a:rPr lang="en-US" altLang="ko-KR" dirty="0">
+                <a:solidFill>
+                  <a:srgbClr val="0E0E0E"/>
+                </a:solidFill>
+                <a:effectLst/>
+                <a:latin typeface=".AppleSystemUIFont"/>
+              </a:rPr>
+            </a:br>
+            <a:r>
+              <a:rPr lang="ko-KR" altLang="en-US" dirty="0">
+                <a:solidFill>
+                  <a:srgbClr val="0E0E0E"/>
+                </a:solidFill>
+                <a:effectLst/>
+                <a:latin typeface=".AppleSystemUIFont"/>
+              </a:rPr>
+              <a:t>분석 변수로는 월 임금</a:t>
+            </a:r>
+            <a:r>
+              <a:rPr lang="en" altLang="ko-KR" dirty="0">
+                <a:solidFill>
+                  <a:srgbClr val="0E0E0E"/>
+                </a:solidFill>
+                <a:effectLst/>
+                <a:latin typeface=".AppleSystemUIFont"/>
+              </a:rPr>
+              <a:t>,</a:t>
+            </a:r>
+            <a:r>
+              <a:rPr lang="ko-KR" altLang="en-US" dirty="0" err="1">
+                <a:solidFill>
+                  <a:srgbClr val="0E0E0E"/>
+                </a:solidFill>
+                <a:effectLst/>
+                <a:latin typeface=".AppleSystemUIFont"/>
+              </a:rPr>
+              <a:t>고용율</a:t>
+            </a:r>
+            <a:r>
+              <a:rPr lang="en" altLang="ko-KR" dirty="0">
+                <a:solidFill>
+                  <a:srgbClr val="0E0E0E"/>
+                </a:solidFill>
+                <a:effectLst/>
+                <a:latin typeface=".AppleSystemUIFont"/>
+              </a:rPr>
               <a:t>, </a:t>
             </a:r>
             <a:r>
-              <a:rPr kumimoji="1" lang="ko-KR" altLang="en-US" dirty="0" err="1"/>
-              <a:t>초혼연령를</a:t>
-            </a:r>
-            <a:r>
-              <a:rPr kumimoji="1" lang="ko-KR" altLang="en-US" dirty="0"/>
-              <a:t> 사용하였습니다</a:t>
-            </a:r>
-            <a:r>
-              <a:rPr kumimoji="1" lang="en-US" altLang="ko-KR" dirty="0"/>
+              <a:rPr lang="ko-KR" altLang="en-US" dirty="0">
+                <a:solidFill>
+                  <a:srgbClr val="0E0E0E"/>
+                </a:solidFill>
+                <a:effectLst/>
+                <a:latin typeface=".AppleSystemUIFontMonospaced"/>
+              </a:rPr>
+              <a:t>주택매매지수</a:t>
+            </a:r>
+            <a:r>
+              <a:rPr lang="en" altLang="ko-KR" dirty="0">
+                <a:solidFill>
+                  <a:srgbClr val="0E0E0E"/>
+                </a:solidFill>
+                <a:effectLst/>
+                <a:latin typeface=".AppleSystemUIFont"/>
+              </a:rPr>
+              <a:t>, </a:t>
+            </a:r>
+            <a:r>
+              <a:rPr lang="ko-KR" altLang="en-US" dirty="0">
+                <a:solidFill>
+                  <a:srgbClr val="0E0E0E"/>
+                </a:solidFill>
+                <a:effectLst/>
+                <a:latin typeface=".AppleSystemUIFontMonospaced"/>
+              </a:rPr>
+              <a:t>전세 매매지수</a:t>
+            </a:r>
+            <a:r>
+              <a:rPr lang="ko-KR" altLang="en-US" dirty="0">
+                <a:solidFill>
+                  <a:srgbClr val="0E0E0E"/>
+                </a:solidFill>
+                <a:effectLst/>
+                <a:latin typeface=".AppleSystemUIFont"/>
+              </a:rPr>
+              <a:t>를 사용하였습니다</a:t>
+            </a:r>
+            <a:r>
+              <a:rPr lang="en-US" altLang="ko-KR" dirty="0">
+                <a:solidFill>
+                  <a:srgbClr val="0E0E0E"/>
+                </a:solidFill>
+                <a:effectLst/>
+                <a:latin typeface=".AppleSystemUIFont"/>
+              </a:rPr>
               <a:t>.</a:t>
             </a:r>
-          </a:p>
-          <a:p>
-            <a:r>
-              <a:rPr kumimoji="1" lang="ko-KR" altLang="en-US" dirty="0"/>
+            <a:endParaRPr lang="ko-KR" altLang="en-US" dirty="0">
+              <a:solidFill>
+                <a:srgbClr val="0E0E0E"/>
+              </a:solidFill>
+              <a:effectLst/>
+              <a:latin typeface=".AppleSystemUIFontMonospaced"/>
+            </a:endParaRPr>
+          </a:p>
+          <a:p>
+            <a:pPr>
+              <a:spcBef>
+                <a:spcPts val="900"/>
+              </a:spcBef>
+            </a:pPr>
+            <a:r>
+              <a:rPr lang="ko-KR" altLang="en-US" dirty="0">
+                <a:solidFill>
+                  <a:srgbClr val="0E0E0E"/>
+                </a:solidFill>
+                <a:effectLst/>
+                <a:latin typeface=".AppleSystemUIFont"/>
+              </a:rPr>
               <a:t>모델의 </a:t>
             </a:r>
             <a:r>
-              <a:rPr kumimoji="1" lang="en" altLang="ko-KR" dirty="0"/>
-              <a:t>CS </a:t>
-            </a:r>
-            <a:r>
-              <a:rPr kumimoji="1" lang="ko-KR" altLang="en-US" dirty="0"/>
+              <a:rPr lang="en" altLang="ko-KR" b="1" dirty="0">
+                <a:solidFill>
+                  <a:srgbClr val="0E0E0E"/>
+                </a:solidFill>
+                <a:effectLst/>
+                <a:latin typeface=".AppleSystemUIFont"/>
+              </a:rPr>
+              <a:t>CS</a:t>
+            </a:r>
+            <a:r>
+              <a:rPr lang="en" altLang="ko-KR" dirty="0">
+                <a:solidFill>
+                  <a:srgbClr val="0E0E0E"/>
+                </a:solidFill>
+                <a:effectLst/>
+                <a:latin typeface=".AppleSystemUIFont"/>
+              </a:rPr>
+              <a:t> </a:t>
+            </a:r>
+            <a:r>
+              <a:rPr lang="ko-KR" altLang="en-US" dirty="0">
+                <a:solidFill>
+                  <a:srgbClr val="0E0E0E"/>
+                </a:solidFill>
+                <a:effectLst/>
+                <a:latin typeface=".AppleSystemUIFont"/>
+              </a:rPr>
               <a:t>값은 약 </a:t>
             </a:r>
             <a:r>
-              <a:rPr kumimoji="1" lang="en-US" altLang="ko-KR" dirty="0"/>
-              <a:t>28.17%</a:t>
-            </a:r>
-            <a:r>
-              <a:rPr kumimoji="1" lang="ko-KR" altLang="en-US" dirty="0"/>
+              <a:rPr lang="en-US" altLang="ko-KR" dirty="0">
+                <a:solidFill>
+                  <a:srgbClr val="0E0E0E"/>
+                </a:solidFill>
+                <a:effectLst/>
+                <a:latin typeface=".AppleSystemUIFont"/>
+              </a:rPr>
+              <a:t>33.48%</a:t>
+            </a:r>
+            <a:r>
+              <a:rPr lang="ko-KR" altLang="en-US" dirty="0">
+                <a:solidFill>
+                  <a:srgbClr val="0E0E0E"/>
+                </a:solidFill>
+                <a:effectLst/>
+                <a:latin typeface=".AppleSystemUIFont"/>
+              </a:rPr>
               <a:t>로</a:t>
             </a:r>
             <a:r>
-              <a:rPr kumimoji="1" lang="en-US" altLang="ko-KR" dirty="0"/>
+              <a:rPr lang="en-US" altLang="ko-KR" dirty="0">
+                <a:solidFill>
+                  <a:srgbClr val="0E0E0E"/>
+                </a:solidFill>
+                <a:effectLst/>
+                <a:latin typeface=".AppleSystemUIFont"/>
+              </a:rPr>
               <a:t>, </a:t>
             </a:r>
             <a:r>
-              <a:rPr kumimoji="1" lang="ko-KR" altLang="en-US" dirty="0"/>
+              <a:rPr lang="ko-KR" altLang="en-US" dirty="0">
+                <a:solidFill>
+                  <a:srgbClr val="0E0E0E"/>
+                </a:solidFill>
+                <a:effectLst/>
+                <a:latin typeface=".AppleSystemUIFont"/>
+              </a:rPr>
               <a:t>중간 수준의 설명력을 보여주었습니다</a:t>
             </a:r>
             <a:r>
-              <a:rPr kumimoji="1" lang="en-US" altLang="ko-KR" dirty="0"/>
+              <a:rPr lang="en-US" altLang="ko-KR" dirty="0">
+                <a:solidFill>
+                  <a:srgbClr val="0E0E0E"/>
+                </a:solidFill>
+                <a:effectLst/>
+                <a:latin typeface=".AppleSystemUIFont"/>
+              </a:rPr>
               <a:t>.</a:t>
             </a:r>
           </a:p>
           <a:p>
-            <a:endParaRPr kumimoji="1" lang="en-US" altLang="ko-KR" dirty="0"/>
-          </a:p>
-          <a:p>
-            <a:endParaRPr kumimoji="1" lang="en-US" altLang="ko-KR" dirty="0"/>
-          </a:p>
-          <a:p>
-            <a:r>
-              <a:rPr kumimoji="1" lang="ko-KR" altLang="en-US" dirty="0"/>
+            <a:pPr>
+              <a:spcBef>
+                <a:spcPts val="900"/>
+              </a:spcBef>
+            </a:pPr>
+            <a:endParaRPr lang="en-US" altLang="ko-KR" dirty="0">
+              <a:solidFill>
+                <a:srgbClr val="0E0E0E"/>
+              </a:solidFill>
+              <a:effectLst/>
+              <a:latin typeface=".AppleSystemUIFont"/>
+            </a:endParaRPr>
+          </a:p>
+          <a:p>
+            <a:pPr>
+              <a:spcBef>
+                <a:spcPts val="900"/>
+              </a:spcBef>
+            </a:pPr>
+            <a:r>
+              <a:rPr lang="en-US" altLang="ko-KR" dirty="0">
+                <a:solidFill>
+                  <a:srgbClr val="0E0E0E"/>
+                </a:solidFill>
+                <a:effectLst/>
+                <a:latin typeface=".AppleSystemUIFont"/>
+              </a:rPr>
+              <a:t>• </a:t>
+            </a:r>
+            <a:r>
+              <a:rPr lang="ko-KR" altLang="en-US" dirty="0">
+                <a:solidFill>
+                  <a:srgbClr val="0E0E0E"/>
+                </a:solidFill>
+                <a:effectLst/>
+                <a:latin typeface=".AppleSystemUIFont"/>
+              </a:rPr>
               <a:t>분석 결과를 요약하자면</a:t>
             </a:r>
             <a:r>
-              <a:rPr kumimoji="1" lang="en-US" altLang="ko-KR" dirty="0"/>
+              <a:rPr lang="en-US" altLang="ko-KR" dirty="0">
+                <a:solidFill>
+                  <a:srgbClr val="0E0E0E"/>
+                </a:solidFill>
+                <a:effectLst/>
+                <a:latin typeface=".AppleSystemUIFont"/>
+              </a:rPr>
               <a:t>:</a:t>
             </a:r>
           </a:p>
           <a:p>
-            <a:r>
-              <a:rPr kumimoji="1" lang="ko-KR" altLang="en-US" dirty="0" err="1"/>
-              <a:t>도시화률은</a:t>
-            </a:r>
-            <a:r>
-              <a:rPr kumimoji="1" lang="ko-KR" altLang="en-US" dirty="0"/>
-              <a:t> 출산율 감소와 강한 부정적 상관관계를 보이며</a:t>
-            </a:r>
-            <a:r>
-              <a:rPr kumimoji="1" lang="en-US" altLang="ko-KR" dirty="0"/>
+            <a:pPr>
+              <a:spcBef>
+                <a:spcPts val="900"/>
+              </a:spcBef>
+            </a:pPr>
+            <a:r>
+              <a:rPr lang="ko-KR" altLang="en-US" dirty="0">
+                <a:solidFill>
+                  <a:srgbClr val="0E0E0E"/>
+                </a:solidFill>
+                <a:effectLst/>
+                <a:latin typeface=".AppleSystemUIFont"/>
+              </a:rPr>
+              <a:t>월 임금은 출산율 감소와 부정적 상관관계를 보였으며</a:t>
+            </a:r>
+            <a:r>
+              <a:rPr lang="en-US" altLang="ko-KR" dirty="0">
+                <a:solidFill>
+                  <a:srgbClr val="0E0E0E"/>
+                </a:solidFill>
+                <a:effectLst/>
+                <a:latin typeface=".AppleSystemUIFont"/>
+              </a:rPr>
               <a:t>, </a:t>
             </a:r>
             <a:r>
-              <a:rPr kumimoji="1" lang="ko-KR" altLang="en-US" dirty="0"/>
-              <a:t>통계적으로 유의미하였습니다</a:t>
-            </a:r>
-          </a:p>
-          <a:p>
-            <a:r>
-              <a:rPr kumimoji="1" lang="ko-KR" altLang="en-US" dirty="0"/>
-              <a:t>교육수준 지표는 출산율 증가와 약한 긍정적 상관관계를 보였으나</a:t>
-            </a:r>
-            <a:r>
-              <a:rPr kumimoji="1" lang="en-US" altLang="ko-KR" dirty="0"/>
+              <a:rPr lang="ko-KR" altLang="en-US" dirty="0">
+                <a:solidFill>
+                  <a:srgbClr val="0E0E0E"/>
+                </a:solidFill>
+                <a:effectLst/>
+                <a:latin typeface=".AppleSystemUIFont"/>
+              </a:rPr>
+              <a:t>통계적으로 유의미한 경향을 보였습니다</a:t>
+            </a:r>
+            <a:endParaRPr lang="en-US" altLang="ko-KR" dirty="0">
+              <a:solidFill>
+                <a:srgbClr val="0E0E0E"/>
+              </a:solidFill>
+              <a:effectLst/>
+              <a:latin typeface=".AppleSystemUIFont"/>
+            </a:endParaRPr>
+          </a:p>
+          <a:p>
+            <a:pPr>
+              <a:spcBef>
+                <a:spcPts val="900"/>
+              </a:spcBef>
+            </a:pPr>
+            <a:r>
+              <a:rPr lang="ko-KR" altLang="en-US" dirty="0">
+                <a:solidFill>
+                  <a:srgbClr val="0E0E0E"/>
+                </a:solidFill>
+                <a:effectLst/>
+                <a:latin typeface=".AppleSystemUIFont"/>
+              </a:rPr>
+              <a:t>고용율은 출산율 증가와 강한 긍정적 상관관계를 보였으며</a:t>
+            </a:r>
+            <a:r>
+              <a:rPr lang="en-US" altLang="ko-KR" dirty="0">
+                <a:solidFill>
+                  <a:srgbClr val="0E0E0E"/>
+                </a:solidFill>
+                <a:effectLst/>
+                <a:latin typeface=".AppleSystemUIFont"/>
+              </a:rPr>
               <a:t>, </a:t>
             </a:r>
             <a:r>
-              <a:rPr kumimoji="1" lang="ko-KR" altLang="en-US" dirty="0"/>
-              <a:t>통계적으로 유의미하지 않았습니다</a:t>
-            </a:r>
-          </a:p>
-          <a:p>
-            <a:r>
-              <a:rPr kumimoji="1" lang="ko-KR" altLang="en-US" dirty="0"/>
-              <a:t>초혼연령은 출산율에 유의미한 영향을 미치지 않았습니다</a:t>
-            </a:r>
-          </a:p>
-          <a:p>
-            <a:endParaRPr kumimoji="1" lang="ko-KR" altLang="en-US" dirty="0"/>
-          </a:p>
-          <a:p>
-            <a:r>
-              <a:rPr kumimoji="1" lang="ko-KR" altLang="en-US" dirty="0"/>
-              <a:t>이러한 결과는 도시화율이 출산율 감소의 주요 요인임을 시사하며</a:t>
-            </a:r>
-            <a:r>
-              <a:rPr kumimoji="1" lang="en-US" altLang="ko-KR" dirty="0"/>
+              <a:rPr lang="ko-KR" altLang="en-US" dirty="0">
+                <a:solidFill>
+                  <a:srgbClr val="0E0E0E"/>
+                </a:solidFill>
+                <a:effectLst/>
+                <a:latin typeface=".AppleSystemUIFont"/>
+              </a:rPr>
+              <a:t>통계적으로 유의미한 경향이 있었습니다</a:t>
+            </a:r>
+            <a:endParaRPr lang="en-US" altLang="ko-KR" dirty="0">
+              <a:solidFill>
+                <a:srgbClr val="0E0E0E"/>
+              </a:solidFill>
+              <a:effectLst/>
+              <a:latin typeface=".AppleSystemUIFont"/>
+            </a:endParaRPr>
+          </a:p>
+          <a:p>
+            <a:pPr>
+              <a:spcBef>
+                <a:spcPts val="900"/>
+              </a:spcBef>
+            </a:pPr>
+            <a:r>
+              <a:rPr lang="ko-KR" altLang="en-US" dirty="0">
+                <a:solidFill>
+                  <a:srgbClr val="0E0E0E"/>
+                </a:solidFill>
+                <a:effectLst/>
+                <a:latin typeface=".AppleSystemUIFontMonospaced"/>
+              </a:rPr>
+              <a:t>주택매매지수은 </a:t>
+            </a:r>
+            <a:r>
+              <a:rPr lang="ko-KR" altLang="en-US" dirty="0">
+                <a:solidFill>
+                  <a:srgbClr val="0E0E0E"/>
+                </a:solidFill>
+                <a:effectLst/>
+                <a:latin typeface=".AppleSystemUIFont"/>
+              </a:rPr>
+              <a:t> 출산율 증가에 긍정적인 영향을 미치는 경향이 있었으나</a:t>
+            </a:r>
+            <a:r>
+              <a:rPr lang="en-US" altLang="ko-KR" dirty="0">
+                <a:solidFill>
+                  <a:srgbClr val="0E0E0E"/>
+                </a:solidFill>
+                <a:effectLst/>
+                <a:latin typeface=".AppleSystemUIFont"/>
+              </a:rPr>
               <a:t>, </a:t>
             </a:r>
             <a:r>
-              <a:rPr kumimoji="1" lang="ko-KR" altLang="en-US" dirty="0"/>
-              <a:t>교육 수준과 초혼 연령의 영향은 상대적으로 미미한 것으로 나타났습니다</a:t>
-            </a:r>
-            <a:r>
-              <a:rPr kumimoji="1" lang="en-US" altLang="ko-KR" dirty="0"/>
+              <a:rPr lang="ko-KR" altLang="en-US" dirty="0">
+                <a:solidFill>
+                  <a:srgbClr val="0E0E0E"/>
+                </a:solidFill>
+                <a:effectLst/>
+                <a:latin typeface=".AppleSystemUIFont"/>
+              </a:rPr>
+              <a:t>통계적으로는 유의미하지 않았습니다</a:t>
+            </a:r>
+            <a:endParaRPr lang="en-US" altLang="ko-KR" dirty="0">
+              <a:solidFill>
+                <a:srgbClr val="0E0E0E"/>
+              </a:solidFill>
+              <a:effectLst/>
+              <a:latin typeface=".AppleSystemUIFont"/>
+            </a:endParaRPr>
+          </a:p>
+          <a:p>
+            <a:pPr>
+              <a:spcBef>
+                <a:spcPts val="900"/>
+              </a:spcBef>
+            </a:pPr>
+            <a:r>
+              <a:rPr lang="ko-KR" altLang="en-US" dirty="0">
+                <a:solidFill>
+                  <a:srgbClr val="0E0E0E"/>
+                </a:solidFill>
+                <a:effectLst/>
+                <a:latin typeface=".AppleSystemUIFontMonospaced"/>
+              </a:rPr>
+              <a:t>전세 매매지수는</a:t>
+            </a:r>
+            <a:r>
+              <a:rPr lang="ko-KR" altLang="en-US" dirty="0">
+                <a:solidFill>
+                  <a:srgbClr val="0E0E0E"/>
+                </a:solidFill>
+                <a:effectLst/>
+                <a:latin typeface=".AppleSystemUIFont"/>
+              </a:rPr>
+              <a:t> 출산율과 유의미한 관계를 보이지 않았습니다</a:t>
+            </a:r>
+            <a:endParaRPr lang="en" altLang="ko-KR" dirty="0">
+              <a:solidFill>
+                <a:srgbClr val="0E0E0E"/>
+              </a:solidFill>
+              <a:effectLst/>
+              <a:latin typeface=".AppleSystemUIFont"/>
+            </a:endParaRPr>
+          </a:p>
+          <a:p>
+            <a:br>
+              <a:rPr lang="en" altLang="ko-KR" dirty="0">
+                <a:solidFill>
+                  <a:srgbClr val="0E0E0E"/>
+                </a:solidFill>
+                <a:effectLst/>
+                <a:latin typeface=".AppleSystemUIFont"/>
+              </a:rPr>
+            </a:br>
+            <a:endParaRPr lang="en" altLang="ko-KR" dirty="0">
+              <a:solidFill>
+                <a:srgbClr val="0E0E0E"/>
+              </a:solidFill>
+              <a:effectLst/>
+              <a:latin typeface=".AppleSystemUIFont"/>
+            </a:endParaRPr>
+          </a:p>
+          <a:p>
+            <a:r>
+              <a:rPr lang="ko-KR" altLang="en-US" dirty="0">
+                <a:solidFill>
+                  <a:srgbClr val="0E0E0E"/>
+                </a:solidFill>
+                <a:effectLst/>
+                <a:latin typeface=".AppleSystemUIFont"/>
+              </a:rPr>
+              <a:t>이 결과는 고용률과 주택 매매 가격이 출산율 증가에 긍정적 영향을 미칠 가능성을 보여주지만</a:t>
+            </a:r>
+            <a:r>
+              <a:rPr lang="en-US" altLang="ko-KR" dirty="0">
+                <a:solidFill>
+                  <a:srgbClr val="0E0E0E"/>
+                </a:solidFill>
+                <a:effectLst/>
+                <a:latin typeface=".AppleSystemUIFont"/>
+              </a:rPr>
+              <a:t>, </a:t>
+            </a:r>
+            <a:r>
+              <a:rPr lang="ko-KR" altLang="en-US" dirty="0">
+                <a:solidFill>
+                  <a:srgbClr val="0E0E0E"/>
+                </a:solidFill>
+                <a:effectLst/>
+                <a:latin typeface=".AppleSystemUIFont"/>
+              </a:rPr>
+              <a:t>월급 증가는 출산율 감소와 관련이 있음을 시사합니다</a:t>
+            </a:r>
+            <a:r>
+              <a:rPr lang="en-US" altLang="ko-KR" dirty="0">
+                <a:solidFill>
+                  <a:srgbClr val="0E0E0E"/>
+                </a:solidFill>
+                <a:effectLst/>
+                <a:latin typeface=".AppleSystemUIFont"/>
+              </a:rPr>
+              <a:t>. </a:t>
+            </a:r>
+            <a:r>
+              <a:rPr lang="ko-KR" altLang="en-US" dirty="0">
+                <a:solidFill>
+                  <a:srgbClr val="0E0E0E"/>
+                </a:solidFill>
+                <a:effectLst/>
+                <a:latin typeface=".AppleSystemUIFont"/>
+              </a:rPr>
+              <a:t>전세 가격은 유의미한 변수로 확인되지 않았습니다</a:t>
+            </a:r>
+            <a:r>
+              <a:rPr lang="en-US" altLang="ko-KR" dirty="0">
+                <a:solidFill>
+                  <a:srgbClr val="0E0E0E"/>
+                </a:solidFill>
+                <a:effectLst/>
+                <a:latin typeface=".AppleSystemUIFont"/>
+              </a:rPr>
               <a:t>.</a:t>
             </a:r>
           </a:p>
           <a:p>
-            <a:endParaRPr kumimoji="1" lang="en-US" altLang="ko-KR" dirty="0"/>
-          </a:p>
-          <a:p>
-            <a:endParaRPr kumimoji="1" lang="ko-KR" altLang="en-US" dirty="0"/>
+            <a:pPr>
+              <a:spcBef>
+                <a:spcPts val="900"/>
+              </a:spcBef>
+            </a:pPr>
+            <a:endParaRPr lang="en-US" altLang="ko-KR" dirty="0">
+              <a:solidFill>
+                <a:srgbClr val="0E0E0E"/>
+              </a:solidFill>
+              <a:effectLst/>
+              <a:latin typeface=".AppleSystemUIFont"/>
+            </a:endParaRPr>
           </a:p>
         </p:txBody>
       </p:sp>
@@ -4933,7 +5565,7 @@
           <a:p>
             <a:fld id="{75226C37-6708-7D47-9F06-3C67D6FE7C62}" type="slidenum">
               <a:rPr kumimoji="1" lang="ko-KR" altLang="en-US" smtClean="0"/>
-              <a:t>16</a:t>
+              <a:t>14</a:t>
             </a:fld>
             <a:endParaRPr kumimoji="1" lang="ko-KR" altLang="en-US"/>
           </a:p>
@@ -4942,7 +5574,7 @@
     </p:spTree>
     <p:extLst>
       <p:ext uri="{BB962C8B-B14F-4D97-AF65-F5344CB8AC3E}">
-        <p14:creationId xmlns:p14="http://schemas.microsoft.com/office/powerpoint/2010/main" val="1766695279"/>
+        <p14:creationId xmlns:p14="http://schemas.microsoft.com/office/powerpoint/2010/main" val="1917417527"/>
       </p:ext>
     </p:extLst>
   </p:cSld>
@@ -4998,98 +5630,7 @@
           <a:p>
             <a:r>
               <a:rPr kumimoji="1" lang="ko-KR" altLang="en-US" dirty="0"/>
-              <a:t>로지스틱 회귀분석을 통해 경제적 요인과 사회적 요인이 출산율에 미치는 영향을 평가하였습니다</a:t>
-            </a:r>
-            <a:r>
-              <a:rPr kumimoji="1" lang="en-US" altLang="ko-KR" dirty="0"/>
-              <a:t>.</a:t>
-            </a:r>
-          </a:p>
-          <a:p>
-            <a:endParaRPr kumimoji="1" lang="en-US" altLang="ko-KR" dirty="0"/>
-          </a:p>
-          <a:p>
-            <a:r>
-              <a:rPr kumimoji="1" lang="ko-KR" altLang="en-US" dirty="0"/>
-              <a:t>경제적 요인 분석 결과</a:t>
-            </a:r>
-            <a:r>
-              <a:rPr kumimoji="1" lang="en-US" altLang="ko-KR" dirty="0"/>
-              <a:t>: </a:t>
-            </a:r>
-            <a:r>
-              <a:rPr kumimoji="1" lang="ko-KR" altLang="en-US" dirty="0"/>
-              <a:t>고용률과 주택 매매 지수는 출산율 증가에 긍정적 영향을 미쳤으며</a:t>
-            </a:r>
-            <a:r>
-              <a:rPr kumimoji="1" lang="en-US" altLang="ko-KR" dirty="0"/>
-              <a:t>, </a:t>
-            </a:r>
-            <a:r>
-              <a:rPr kumimoji="1" lang="ko-KR" altLang="en-US" dirty="0"/>
-              <a:t>월급은 출산율 감소와 유의미한 관계를 보였습니다</a:t>
-            </a:r>
-            <a:r>
-              <a:rPr kumimoji="1" lang="en-US" altLang="ko-KR" dirty="0"/>
-              <a:t>.</a:t>
-            </a:r>
-          </a:p>
-          <a:p>
-            <a:endParaRPr kumimoji="1" lang="en-US" altLang="ko-KR" dirty="0"/>
-          </a:p>
-          <a:p>
-            <a:r>
-              <a:rPr kumimoji="1" lang="ko-KR" altLang="en-US" dirty="0"/>
-              <a:t>사회적 요인 분석 결과</a:t>
-            </a:r>
-            <a:r>
-              <a:rPr kumimoji="1" lang="en-US" altLang="ko-KR" dirty="0"/>
-              <a:t>: </a:t>
-            </a:r>
-            <a:r>
-              <a:rPr kumimoji="1" lang="ko-KR" altLang="en-US" dirty="0"/>
-              <a:t>도시화율은 출산율 감소에 가장 중요한 사회적 요인이었으며</a:t>
-            </a:r>
-            <a:r>
-              <a:rPr kumimoji="1" lang="en-US" altLang="ko-KR" dirty="0"/>
-              <a:t>, </a:t>
-            </a:r>
-            <a:r>
-              <a:rPr kumimoji="1" lang="ko-KR" altLang="en-US" dirty="0"/>
-              <a:t>초혼 연령은 출산율 감소와 연관되었습니다</a:t>
-            </a:r>
-            <a:r>
-              <a:rPr kumimoji="1" lang="en-US" altLang="ko-KR" dirty="0"/>
-              <a:t>.</a:t>
-            </a:r>
-          </a:p>
-          <a:p>
-            <a:endParaRPr kumimoji="1" lang="en-US" altLang="ko-KR" dirty="0"/>
-          </a:p>
-          <a:p>
-            <a:r>
-              <a:rPr kumimoji="1" lang="ko-KR" altLang="en-US" dirty="0"/>
-              <a:t>그러나</a:t>
-            </a:r>
-            <a:r>
-              <a:rPr kumimoji="1" lang="en-US" altLang="ko-KR" dirty="0"/>
-              <a:t>, </a:t>
-            </a:r>
-            <a:r>
-              <a:rPr kumimoji="1" lang="ko-KR" altLang="en-US" dirty="0" err="1"/>
-              <a:t>다중공선성</a:t>
-            </a:r>
-            <a:r>
-              <a:rPr kumimoji="1" lang="ko-KR" altLang="en-US" dirty="0"/>
-              <a:t> 문제로 경제적</a:t>
-            </a:r>
-            <a:r>
-              <a:rPr kumimoji="1" lang="en-US" altLang="ko-KR" dirty="0"/>
-              <a:t>·</a:t>
-            </a:r>
-            <a:r>
-              <a:rPr kumimoji="1" lang="ko-KR" altLang="en-US" dirty="0"/>
-              <a:t>사회적 요인의 결합 효과 분석은 진행하지 못하였습니다</a:t>
+              <a:t>이 슬라이드는 앞 슬라이드의 참고용 시각화 자료입니다</a:t>
             </a:r>
             <a:r>
               <a:rPr kumimoji="1" lang="en-US" altLang="ko-KR" dirty="0"/>
@@ -5116,7 +5657,7 @@
           <a:p>
             <a:fld id="{75226C37-6708-7D47-9F06-3C67D6FE7C62}" type="slidenum">
               <a:rPr kumimoji="1" lang="ko-KR" altLang="en-US" smtClean="0"/>
-              <a:t>18</a:t>
+              <a:t>15</a:t>
             </a:fld>
             <a:endParaRPr kumimoji="1" lang="ko-KR" altLang="en-US"/>
           </a:p>
@@ -5125,7 +5666,7 @@
     </p:spTree>
     <p:extLst>
       <p:ext uri="{BB962C8B-B14F-4D97-AF65-F5344CB8AC3E}">
-        <p14:creationId xmlns:p14="http://schemas.microsoft.com/office/powerpoint/2010/main" val="1801649906"/>
+        <p14:creationId xmlns:p14="http://schemas.microsoft.com/office/powerpoint/2010/main" val="357197465"/>
       </p:ext>
     </p:extLst>
   </p:cSld>
@@ -5179,6 +5720,169 @@
           <a:bodyPr/>
           <a:lstStyle/>
           <a:p>
+            <a:r>
+              <a:rPr kumimoji="1" lang="ko-KR" altLang="en-US" dirty="0"/>
+              <a:t>이번 슬라이드에서는 사회적 요인에 대한 로지스틱 회귀분석 결과를 </a:t>
+            </a:r>
+            <a:r>
+              <a:rPr kumimoji="1" lang="ko-KR" altLang="en-US" dirty="0" err="1"/>
+              <a:t>설명드리겠습니다</a:t>
+            </a:r>
+            <a:r>
+              <a:rPr kumimoji="1" lang="en-US" altLang="ko-KR" dirty="0"/>
+              <a:t>.</a:t>
+            </a:r>
+          </a:p>
+          <a:p>
+            <a:endParaRPr kumimoji="1" lang="en-US" altLang="ko-KR" dirty="0"/>
+          </a:p>
+          <a:p>
+            <a:r>
+              <a:rPr kumimoji="1" lang="ko-KR" altLang="en-US" dirty="0"/>
+              <a:t>분석 변수로는 </a:t>
+            </a:r>
+            <a:r>
+              <a:rPr kumimoji="1" lang="ko-KR" altLang="en-US" dirty="0" err="1"/>
+              <a:t>도시화률</a:t>
+            </a:r>
+            <a:r>
+              <a:rPr kumimoji="1" lang="en-US" altLang="ko-KR" dirty="0"/>
+              <a:t>, </a:t>
+            </a:r>
+            <a:r>
+              <a:rPr kumimoji="1" lang="ko-KR" altLang="en-US" dirty="0"/>
+              <a:t>교육수준 지표</a:t>
+            </a:r>
+            <a:r>
+              <a:rPr kumimoji="1" lang="en-US" altLang="ko-KR" dirty="0"/>
+              <a:t>, </a:t>
+            </a:r>
+            <a:r>
+              <a:rPr kumimoji="1" lang="ko-KR" altLang="en-US" dirty="0" err="1"/>
+              <a:t>초혼연령를</a:t>
+            </a:r>
+            <a:r>
+              <a:rPr kumimoji="1" lang="ko-KR" altLang="en-US" dirty="0"/>
+              <a:t> 사용하였습니다</a:t>
+            </a:r>
+            <a:r>
+              <a:rPr kumimoji="1" lang="en-US" altLang="ko-KR" dirty="0"/>
+              <a:t>.</a:t>
+            </a:r>
+          </a:p>
+          <a:p>
+            <a:r>
+              <a:rPr kumimoji="1" lang="ko-KR" altLang="en-US" dirty="0"/>
+              <a:t>모델의 </a:t>
+            </a:r>
+            <a:r>
+              <a:rPr kumimoji="1" lang="en" altLang="ko-KR" dirty="0"/>
+              <a:t>CS </a:t>
+            </a:r>
+            <a:r>
+              <a:rPr kumimoji="1" lang="ko-KR" altLang="en-US" dirty="0"/>
+              <a:t>값은 약 </a:t>
+            </a:r>
+            <a:r>
+              <a:rPr kumimoji="1" lang="en-US" altLang="ko-KR" dirty="0"/>
+              <a:t>28.17%</a:t>
+            </a:r>
+            <a:r>
+              <a:rPr kumimoji="1" lang="ko-KR" altLang="en-US" dirty="0"/>
+              <a:t>로</a:t>
+            </a:r>
+            <a:r>
+              <a:rPr kumimoji="1" lang="en-US" altLang="ko-KR" dirty="0"/>
+              <a:t>, </a:t>
+            </a:r>
+            <a:r>
+              <a:rPr kumimoji="1" lang="ko-KR" altLang="en-US" dirty="0"/>
+              <a:t>중간 수준의 설명력을 보여주었습니다</a:t>
+            </a:r>
+            <a:r>
+              <a:rPr kumimoji="1" lang="en-US" altLang="ko-KR" dirty="0"/>
+              <a:t>.</a:t>
+            </a:r>
+          </a:p>
+          <a:p>
+            <a:endParaRPr kumimoji="1" lang="en-US" altLang="ko-KR" dirty="0"/>
+          </a:p>
+          <a:p>
+            <a:endParaRPr kumimoji="1" lang="en-US" altLang="ko-KR" dirty="0"/>
+          </a:p>
+          <a:p>
+            <a:r>
+              <a:rPr kumimoji="1" lang="ko-KR" altLang="en-US" dirty="0"/>
+              <a:t>분석 결과를 요약하자면</a:t>
+            </a:r>
+            <a:r>
+              <a:rPr kumimoji="1" lang="en-US" altLang="ko-KR" dirty="0"/>
+              <a:t>:</a:t>
+            </a:r>
+          </a:p>
+          <a:p>
+            <a:r>
+              <a:rPr kumimoji="1" lang="ko-KR" altLang="en-US" dirty="0" err="1"/>
+              <a:t>도시화률은</a:t>
+            </a:r>
+            <a:r>
+              <a:rPr kumimoji="1" lang="ko-KR" altLang="en-US" dirty="0"/>
+              <a:t> 출산율 감소와 강한 부정적 상관관계를 보이며</a:t>
+            </a:r>
+            <a:r>
+              <a:rPr kumimoji="1" lang="en-US" altLang="ko-KR" dirty="0"/>
+              <a:t>, </a:t>
+            </a:r>
+            <a:r>
+              <a:rPr kumimoji="1" lang="ko-KR" altLang="en-US" dirty="0"/>
+              <a:t>통계적으로 유의미하였습니다</a:t>
+            </a:r>
+          </a:p>
+          <a:p>
+            <a:r>
+              <a:rPr kumimoji="1" lang="ko-KR" altLang="en-US" dirty="0"/>
+              <a:t>교육수준 지표는 출산율 증가와 약한 긍정적 상관관계를 보였으나</a:t>
+            </a:r>
+            <a:r>
+              <a:rPr kumimoji="1" lang="en-US" altLang="ko-KR" dirty="0"/>
+              <a:t>, </a:t>
+            </a:r>
+            <a:r>
+              <a:rPr kumimoji="1" lang="ko-KR" altLang="en-US" dirty="0"/>
+              <a:t>통계적으로 유의미하지 않았습니다</a:t>
+            </a:r>
+          </a:p>
+          <a:p>
+            <a:r>
+              <a:rPr kumimoji="1" lang="ko-KR" altLang="en-US" dirty="0"/>
+              <a:t>초혼연령은 출산율에 유의미한 영향을 미치지 않았습니다</a:t>
+            </a:r>
+          </a:p>
+          <a:p>
+            <a:endParaRPr kumimoji="1" lang="ko-KR" altLang="en-US" dirty="0"/>
+          </a:p>
+          <a:p>
+            <a:r>
+              <a:rPr kumimoji="1" lang="ko-KR" altLang="en-US" dirty="0"/>
+              <a:t>이러한 결과는 도시화율이 출산율 감소의 주요 요인임을 시사하며</a:t>
+            </a:r>
+            <a:r>
+              <a:rPr kumimoji="1" lang="en-US" altLang="ko-KR" dirty="0"/>
+              <a:t>, </a:t>
+            </a:r>
+            <a:r>
+              <a:rPr kumimoji="1" lang="ko-KR" altLang="en-US" dirty="0"/>
+              <a:t>교육 수준과 초혼 연령의 영향은 상대적으로 미미한 것으로 나타났습니다</a:t>
+            </a:r>
+            <a:r>
+              <a:rPr kumimoji="1" lang="en-US" altLang="ko-KR" dirty="0"/>
+              <a:t>.</a:t>
+            </a:r>
+          </a:p>
+          <a:p>
+            <a:endParaRPr kumimoji="1" lang="en-US" altLang="ko-KR" dirty="0"/>
+          </a:p>
+          <a:p>
             <a:endParaRPr kumimoji="1" lang="ko-KR" altLang="en-US" dirty="0"/>
           </a:p>
         </p:txBody>
@@ -5200,7 +5904,7 @@
           <a:p>
             <a:fld id="{75226C37-6708-7D47-9F06-3C67D6FE7C62}" type="slidenum">
               <a:rPr kumimoji="1" lang="ko-KR" altLang="en-US" smtClean="0"/>
-              <a:t>20</a:t>
+              <a:t>16</a:t>
             </a:fld>
             <a:endParaRPr kumimoji="1" lang="ko-KR" altLang="en-US"/>
           </a:p>
@@ -5209,7 +5913,547 @@
     </p:spTree>
     <p:extLst>
       <p:ext uri="{BB962C8B-B14F-4D97-AF65-F5344CB8AC3E}">
-        <p14:creationId xmlns:p14="http://schemas.microsoft.com/office/powerpoint/2010/main" val="1945691456"/>
+        <p14:creationId xmlns:p14="http://schemas.microsoft.com/office/powerpoint/2010/main" val="1766695279"/>
+      </p:ext>
+    </p:extLst>
+  </p:cSld>
+  <p:clrMapOvr>
+    <a:masterClrMapping/>
+  </p:clrMapOvr>
+</p:notes>
+</file>
+
+<file path=ppt/notesSlides/notesSlide17.xml><?xml version="1.0" encoding="utf-8"?>
+<p:notes xmlns:a="http://schemas.openxmlformats.org/drawingml/2006/main" xmlns:r="http://schemas.openxmlformats.org/officeDocument/2006/relationships" xmlns:p="http://schemas.openxmlformats.org/presentationml/2006/main">
+  <p:cSld>
+    <p:spTree>
+      <p:nvGrpSpPr>
+        <p:cNvPr id="1" name=""/>
+        <p:cNvGrpSpPr/>
+        <p:nvPr/>
+      </p:nvGrpSpPr>
+      <p:grpSpPr>
+        <a:xfrm>
+          <a:off x="0" y="0"/>
+          <a:ext cx="0" cy="0"/>
+          <a:chOff x="0" y="0"/>
+          <a:chExt cx="0" cy="0"/>
+        </a:xfrm>
+      </p:grpSpPr>
+      <p:sp>
+        <p:nvSpPr>
+          <p:cNvPr id="2" name="슬라이드 이미지 개체 틀 1"/>
+          <p:cNvSpPr>
+            <a:spLocks noGrp="1" noRot="1" noChangeAspect="1"/>
+          </p:cNvSpPr>
+          <p:nvPr>
+            <p:ph type="sldImg"/>
+          </p:nvPr>
+        </p:nvSpPr>
+        <p:spPr/>
+      </p:sp>
+      <p:sp>
+        <p:nvSpPr>
+          <p:cNvPr id="3" name="슬라이드 노트 개체 틀 2"/>
+          <p:cNvSpPr>
+            <a:spLocks noGrp="1"/>
+          </p:cNvSpPr>
+          <p:nvPr>
+            <p:ph type="body" idx="1"/>
+          </p:nvPr>
+        </p:nvSpPr>
+        <p:spPr/>
+        <p:txBody>
+          <a:bodyPr/>
+          <a:lstStyle/>
+          <a:p>
+            <a:pPr marL="0" marR="0" lvl="0" indent="0" algn="l" defTabSz="914400" rtl="0" eaLnBrk="1" fontAlgn="auto" latinLnBrk="1" hangingPunct="1">
+              <a:lnSpc>
+                <a:spcPct val="100000"/>
+              </a:lnSpc>
+              <a:spcBef>
+                <a:spcPts val="0"/>
+              </a:spcBef>
+              <a:spcAft>
+                <a:spcPts val="0"/>
+              </a:spcAft>
+              <a:buClrTx/>
+              <a:buSzTx/>
+              <a:buFontTx/>
+              <a:buNone/>
+              <a:tabLst/>
+              <a:defRPr/>
+            </a:pPr>
+            <a:r>
+              <a:rPr kumimoji="1" lang="ko-KR" altLang="en-US" dirty="0"/>
+              <a:t>이 슬라이드는 앞 슬라이드의 참고용 시각화 자료입니다</a:t>
+            </a:r>
+            <a:r>
+              <a:rPr kumimoji="1" lang="en-US" altLang="ko-KR" dirty="0"/>
+              <a:t>.</a:t>
+            </a:r>
+            <a:endParaRPr kumimoji="1" lang="ko-KR" altLang="en-US" dirty="0"/>
+          </a:p>
+          <a:p>
+            <a:endParaRPr kumimoji="1" lang="ko-KR" altLang="en-US" dirty="0"/>
+          </a:p>
+        </p:txBody>
+      </p:sp>
+      <p:sp>
+        <p:nvSpPr>
+          <p:cNvPr id="4" name="슬라이드 번호 개체 틀 3"/>
+          <p:cNvSpPr>
+            <a:spLocks noGrp="1"/>
+          </p:cNvSpPr>
+          <p:nvPr>
+            <p:ph type="sldNum" sz="quarter" idx="5"/>
+          </p:nvPr>
+        </p:nvSpPr>
+        <p:spPr/>
+        <p:txBody>
+          <a:bodyPr/>
+          <a:lstStyle/>
+          <a:p>
+            <a:fld id="{75226C37-6708-7D47-9F06-3C67D6FE7C62}" type="slidenum">
+              <a:rPr kumimoji="1" lang="ko-KR" altLang="en-US" smtClean="0"/>
+              <a:t>17</a:t>
+            </a:fld>
+            <a:endParaRPr kumimoji="1" lang="ko-KR" altLang="en-US"/>
+          </a:p>
+        </p:txBody>
+      </p:sp>
+    </p:spTree>
+    <p:extLst>
+      <p:ext uri="{BB962C8B-B14F-4D97-AF65-F5344CB8AC3E}">
+        <p14:creationId xmlns:p14="http://schemas.microsoft.com/office/powerpoint/2010/main" val="1159361535"/>
+      </p:ext>
+    </p:extLst>
+  </p:cSld>
+  <p:clrMapOvr>
+    <a:masterClrMapping/>
+  </p:clrMapOvr>
+</p:notes>
+</file>
+
+<file path=ppt/notesSlides/notesSlide18.xml><?xml version="1.0" encoding="utf-8"?>
+<p:notes xmlns:a="http://schemas.openxmlformats.org/drawingml/2006/main" xmlns:r="http://schemas.openxmlformats.org/officeDocument/2006/relationships" xmlns:p="http://schemas.openxmlformats.org/presentationml/2006/main">
+  <p:cSld>
+    <p:spTree>
+      <p:nvGrpSpPr>
+        <p:cNvPr id="1" name=""/>
+        <p:cNvGrpSpPr/>
+        <p:nvPr/>
+      </p:nvGrpSpPr>
+      <p:grpSpPr>
+        <a:xfrm>
+          <a:off x="0" y="0"/>
+          <a:ext cx="0" cy="0"/>
+          <a:chOff x="0" y="0"/>
+          <a:chExt cx="0" cy="0"/>
+        </a:xfrm>
+      </p:grpSpPr>
+      <p:sp>
+        <p:nvSpPr>
+          <p:cNvPr id="2" name="슬라이드 이미지 개체 틀 1"/>
+          <p:cNvSpPr>
+            <a:spLocks noGrp="1" noRot="1" noChangeAspect="1"/>
+          </p:cNvSpPr>
+          <p:nvPr>
+            <p:ph type="sldImg"/>
+          </p:nvPr>
+        </p:nvSpPr>
+        <p:spPr/>
+      </p:sp>
+      <p:sp>
+        <p:nvSpPr>
+          <p:cNvPr id="3" name="슬라이드 노트 개체 틀 2"/>
+          <p:cNvSpPr>
+            <a:spLocks noGrp="1"/>
+          </p:cNvSpPr>
+          <p:nvPr>
+            <p:ph type="body" idx="1"/>
+          </p:nvPr>
+        </p:nvSpPr>
+        <p:spPr/>
+        <p:txBody>
+          <a:bodyPr/>
+          <a:lstStyle/>
+          <a:p>
+            <a:r>
+              <a:rPr kumimoji="1" lang="ko-KR" altLang="en-US" dirty="0"/>
+              <a:t>로지스틱 회귀분석을 통해 경제적 요인과 사회적 요인이 출산율에 미치는 영향을 평가하였습니다</a:t>
+            </a:r>
+            <a:r>
+              <a:rPr kumimoji="1" lang="en-US" altLang="ko-KR" dirty="0"/>
+              <a:t>.</a:t>
+            </a:r>
+          </a:p>
+          <a:p>
+            <a:endParaRPr kumimoji="1" lang="en-US" altLang="ko-KR" dirty="0"/>
+          </a:p>
+          <a:p>
+            <a:r>
+              <a:rPr kumimoji="1" lang="ko-KR" altLang="en-US" dirty="0"/>
+              <a:t>경제적 요인 분석 결과</a:t>
+            </a:r>
+            <a:r>
+              <a:rPr kumimoji="1" lang="en-US" altLang="ko-KR" dirty="0"/>
+              <a:t>: </a:t>
+            </a:r>
+            <a:r>
+              <a:rPr kumimoji="1" lang="ko-KR" altLang="en-US" dirty="0"/>
+              <a:t>고용률과 주택 매매 지수는 출산율 증가에 긍정적 영향을 미쳤으며</a:t>
+            </a:r>
+            <a:r>
+              <a:rPr kumimoji="1" lang="en-US" altLang="ko-KR" dirty="0"/>
+              <a:t>, </a:t>
+            </a:r>
+            <a:r>
+              <a:rPr kumimoji="1" lang="ko-KR" altLang="en-US" dirty="0"/>
+              <a:t>월급은 출산율 감소와 유의미한 관계를 보였습니다</a:t>
+            </a:r>
+            <a:r>
+              <a:rPr kumimoji="1" lang="en-US" altLang="ko-KR" dirty="0"/>
+              <a:t>.</a:t>
+            </a:r>
+          </a:p>
+          <a:p>
+            <a:endParaRPr kumimoji="1" lang="en-US" altLang="ko-KR" dirty="0"/>
+          </a:p>
+          <a:p>
+            <a:r>
+              <a:rPr kumimoji="1" lang="ko-KR" altLang="en-US" dirty="0"/>
+              <a:t>사회적 요인 분석 결과</a:t>
+            </a:r>
+            <a:r>
+              <a:rPr kumimoji="1" lang="en-US" altLang="ko-KR" dirty="0"/>
+              <a:t>: </a:t>
+            </a:r>
+            <a:r>
+              <a:rPr kumimoji="1" lang="ko-KR" altLang="en-US" dirty="0"/>
+              <a:t>도시화율은 출산율 감소에 가장 중요한 사회적 요인이었으며</a:t>
+            </a:r>
+            <a:r>
+              <a:rPr kumimoji="1" lang="en-US" altLang="ko-KR" dirty="0"/>
+              <a:t>, </a:t>
+            </a:r>
+            <a:r>
+              <a:rPr kumimoji="1" lang="ko-KR" altLang="en-US" dirty="0"/>
+              <a:t>초혼 연령은 출산율 감소와 연관되었습니다</a:t>
+            </a:r>
+            <a:r>
+              <a:rPr kumimoji="1" lang="en-US" altLang="ko-KR" dirty="0"/>
+              <a:t>.</a:t>
+            </a:r>
+          </a:p>
+          <a:p>
+            <a:endParaRPr kumimoji="1" lang="en-US" altLang="ko-KR" dirty="0"/>
+          </a:p>
+          <a:p>
+            <a:r>
+              <a:rPr kumimoji="1" lang="ko-KR" altLang="en-US" dirty="0"/>
+              <a:t>그러나</a:t>
+            </a:r>
+            <a:r>
+              <a:rPr kumimoji="1" lang="en-US" altLang="ko-KR" dirty="0"/>
+              <a:t>, </a:t>
+            </a:r>
+            <a:r>
+              <a:rPr kumimoji="1" lang="ko-KR" altLang="en-US" dirty="0" err="1"/>
+              <a:t>다중공선성</a:t>
+            </a:r>
+            <a:r>
+              <a:rPr kumimoji="1" lang="ko-KR" altLang="en-US" dirty="0"/>
+              <a:t> 문제로 경제적</a:t>
+            </a:r>
+            <a:r>
+              <a:rPr kumimoji="1" lang="en-US" altLang="ko-KR" dirty="0"/>
+              <a:t>·</a:t>
+            </a:r>
+            <a:r>
+              <a:rPr kumimoji="1" lang="ko-KR" altLang="en-US" dirty="0"/>
+              <a:t>사회적 요인의 결합 효과 분석은 진행하지 못하였습니다</a:t>
+            </a:r>
+            <a:r>
+              <a:rPr kumimoji="1" lang="en-US" altLang="ko-KR" dirty="0"/>
+              <a:t>.</a:t>
+            </a:r>
+            <a:endParaRPr kumimoji="1" lang="ko-KR" altLang="en-US" dirty="0"/>
+          </a:p>
+        </p:txBody>
+      </p:sp>
+      <p:sp>
+        <p:nvSpPr>
+          <p:cNvPr id="4" name="슬라이드 번호 개체 틀 3"/>
+          <p:cNvSpPr>
+            <a:spLocks noGrp="1"/>
+          </p:cNvSpPr>
+          <p:nvPr>
+            <p:ph type="sldNum" sz="quarter" idx="5"/>
+          </p:nvPr>
+        </p:nvSpPr>
+        <p:spPr/>
+        <p:txBody>
+          <a:bodyPr/>
+          <a:lstStyle/>
+          <a:p>
+            <a:fld id="{75226C37-6708-7D47-9F06-3C67D6FE7C62}" type="slidenum">
+              <a:rPr kumimoji="1" lang="ko-KR" altLang="en-US" smtClean="0"/>
+              <a:t>18</a:t>
+            </a:fld>
+            <a:endParaRPr kumimoji="1" lang="ko-KR" altLang="en-US"/>
+          </a:p>
+        </p:txBody>
+      </p:sp>
+    </p:spTree>
+    <p:extLst>
+      <p:ext uri="{BB962C8B-B14F-4D97-AF65-F5344CB8AC3E}">
+        <p14:creationId xmlns:p14="http://schemas.microsoft.com/office/powerpoint/2010/main" val="1801649906"/>
+      </p:ext>
+    </p:extLst>
+  </p:cSld>
+  <p:clrMapOvr>
+    <a:masterClrMapping/>
+  </p:clrMapOvr>
+</p:notes>
+</file>
+
+<file path=ppt/notesSlides/notesSlide19.xml><?xml version="1.0" encoding="utf-8"?>
+<p:notes xmlns:a="http://schemas.openxmlformats.org/drawingml/2006/main" xmlns:r="http://schemas.openxmlformats.org/officeDocument/2006/relationships" xmlns:p="http://schemas.openxmlformats.org/presentationml/2006/main">
+  <p:cSld>
+    <p:spTree>
+      <p:nvGrpSpPr>
+        <p:cNvPr id="1" name=""/>
+        <p:cNvGrpSpPr/>
+        <p:nvPr/>
+      </p:nvGrpSpPr>
+      <p:grpSpPr>
+        <a:xfrm>
+          <a:off x="0" y="0"/>
+          <a:ext cx="0" cy="0"/>
+          <a:chOff x="0" y="0"/>
+          <a:chExt cx="0" cy="0"/>
+        </a:xfrm>
+      </p:grpSpPr>
+      <p:sp>
+        <p:nvSpPr>
+          <p:cNvPr id="2" name="슬라이드 이미지 개체 틀 1"/>
+          <p:cNvSpPr>
+            <a:spLocks noGrp="1" noRot="1" noChangeAspect="1"/>
+          </p:cNvSpPr>
+          <p:nvPr>
+            <p:ph type="sldImg"/>
+          </p:nvPr>
+        </p:nvSpPr>
+        <p:spPr/>
+      </p:sp>
+      <p:sp>
+        <p:nvSpPr>
+          <p:cNvPr id="3" name="슬라이드 노트 개체 틀 2"/>
+          <p:cNvSpPr>
+            <a:spLocks noGrp="1"/>
+          </p:cNvSpPr>
+          <p:nvPr>
+            <p:ph type="body" idx="1"/>
+          </p:nvPr>
+        </p:nvSpPr>
+        <p:spPr/>
+        <p:txBody>
+          <a:bodyPr/>
+          <a:lstStyle/>
+          <a:p>
+            <a:r>
+              <a:rPr lang="ko-KR" altLang="en-US" dirty="0">
+                <a:solidFill>
+                  <a:srgbClr val="0E0E0E"/>
+                </a:solidFill>
+                <a:effectLst/>
+                <a:latin typeface=".AppleSystemUIFont"/>
+              </a:rPr>
+              <a:t>본 분석을 통해 다음과 같은 결론과 시사점을 도출하였습니다</a:t>
+            </a:r>
+            <a:r>
+              <a:rPr lang="en-US" altLang="ko-KR" dirty="0">
+                <a:solidFill>
+                  <a:srgbClr val="0E0E0E"/>
+                </a:solidFill>
+                <a:effectLst/>
+                <a:latin typeface=".AppleSystemUIFont"/>
+              </a:rPr>
+              <a:t>:</a:t>
+            </a:r>
+          </a:p>
+          <a:p>
+            <a:endParaRPr lang="en-US" altLang="ko-KR" dirty="0">
+              <a:solidFill>
+                <a:srgbClr val="0E0E0E"/>
+              </a:solidFill>
+              <a:effectLst/>
+              <a:latin typeface=".AppleSystemUIFont"/>
+            </a:endParaRPr>
+          </a:p>
+          <a:p>
+            <a:pPr>
+              <a:spcBef>
+                <a:spcPts val="900"/>
+              </a:spcBef>
+            </a:pPr>
+            <a:r>
+              <a:rPr lang="en-US" altLang="ko-KR" dirty="0">
+                <a:solidFill>
+                  <a:srgbClr val="0E0E0E"/>
+                </a:solidFill>
+                <a:effectLst/>
+                <a:latin typeface=".AppleSystemUIFont"/>
+              </a:rPr>
+              <a:t>1. </a:t>
+            </a:r>
+            <a:r>
+              <a:rPr lang="ko-KR" altLang="en-US" dirty="0">
+                <a:solidFill>
+                  <a:srgbClr val="0E0E0E"/>
+                </a:solidFill>
+                <a:effectLst/>
+                <a:latin typeface=".AppleSystemUIFont"/>
+              </a:rPr>
+              <a:t>고용 안정성과 주택 구매 지원 정책은 출산율 증가에 기여할 수 있습니다</a:t>
+            </a:r>
+            <a:r>
+              <a:rPr lang="en-US" altLang="ko-KR" dirty="0">
+                <a:solidFill>
+                  <a:srgbClr val="0E0E0E"/>
+                </a:solidFill>
+                <a:effectLst/>
+                <a:latin typeface=".AppleSystemUIFont"/>
+              </a:rPr>
+              <a:t>.</a:t>
+            </a:r>
+          </a:p>
+          <a:p>
+            <a:pPr>
+              <a:spcBef>
+                <a:spcPts val="900"/>
+              </a:spcBef>
+            </a:pPr>
+            <a:r>
+              <a:rPr lang="en-US" altLang="ko-KR" dirty="0">
+                <a:solidFill>
+                  <a:srgbClr val="0E0E0E"/>
+                </a:solidFill>
+                <a:effectLst/>
+                <a:latin typeface=".AppleSystemUIFont"/>
+              </a:rPr>
+              <a:t>2. </a:t>
+            </a:r>
+            <a:r>
+              <a:rPr lang="ko-KR" altLang="en-US" dirty="0">
+                <a:solidFill>
+                  <a:srgbClr val="0E0E0E"/>
+                </a:solidFill>
+                <a:effectLst/>
+                <a:latin typeface=".AppleSystemUIFont"/>
+              </a:rPr>
+              <a:t>도시화율 증가로 인한 출산율 감소를 완화하기 위해 주거 비용을 줄이고 육아 지원을 확대해야 합니다</a:t>
+            </a:r>
+            <a:r>
+              <a:rPr lang="en-US" altLang="ko-KR" dirty="0">
+                <a:solidFill>
+                  <a:srgbClr val="0E0E0E"/>
+                </a:solidFill>
+                <a:effectLst/>
+                <a:latin typeface=".AppleSystemUIFont"/>
+              </a:rPr>
+              <a:t>.</a:t>
+            </a:r>
+          </a:p>
+          <a:p>
+            <a:pPr>
+              <a:spcBef>
+                <a:spcPts val="900"/>
+              </a:spcBef>
+            </a:pPr>
+            <a:endParaRPr lang="en-US" altLang="ko-KR" dirty="0">
+              <a:solidFill>
+                <a:srgbClr val="0E0E0E"/>
+              </a:solidFill>
+              <a:effectLst/>
+              <a:latin typeface=".AppleSystemUIFont"/>
+            </a:endParaRPr>
+          </a:p>
+          <a:p>
+            <a:r>
+              <a:rPr lang="ko-KR" altLang="en-US" dirty="0">
+                <a:solidFill>
+                  <a:srgbClr val="0E0E0E"/>
+                </a:solidFill>
+                <a:effectLst/>
+                <a:latin typeface=".AppleSystemUIFont"/>
+              </a:rPr>
+              <a:t>비록 일부 데이터 제한과 분석상의 어려움이 있었지만</a:t>
+            </a:r>
+            <a:r>
+              <a:rPr lang="en-US" altLang="ko-KR" dirty="0">
+                <a:solidFill>
+                  <a:srgbClr val="0E0E0E"/>
+                </a:solidFill>
+                <a:effectLst/>
+                <a:latin typeface=".AppleSystemUIFont"/>
+              </a:rPr>
+              <a:t>, </a:t>
+            </a:r>
+            <a:r>
+              <a:rPr lang="ko-KR" altLang="en-US" dirty="0">
+                <a:solidFill>
+                  <a:srgbClr val="0E0E0E"/>
+                </a:solidFill>
+                <a:effectLst/>
+                <a:latin typeface=".AppleSystemUIFont"/>
+              </a:rPr>
+              <a:t>유의미한 결과를 확인할 수 있었습니다</a:t>
+            </a:r>
+            <a:r>
+              <a:rPr lang="en-US" altLang="ko-KR" dirty="0">
+                <a:solidFill>
+                  <a:srgbClr val="0E0E0E"/>
+                </a:solidFill>
+                <a:effectLst/>
+                <a:latin typeface=".AppleSystemUIFont"/>
+              </a:rPr>
+              <a:t>.</a:t>
+            </a:r>
+          </a:p>
+          <a:p>
+            <a:endParaRPr kumimoji="1" lang="ko-KR" altLang="en-US" dirty="0"/>
+          </a:p>
+        </p:txBody>
+      </p:sp>
+      <p:sp>
+        <p:nvSpPr>
+          <p:cNvPr id="4" name="슬라이드 번호 개체 틀 3"/>
+          <p:cNvSpPr>
+            <a:spLocks noGrp="1"/>
+          </p:cNvSpPr>
+          <p:nvPr>
+            <p:ph type="sldNum" sz="quarter" idx="5"/>
+          </p:nvPr>
+        </p:nvSpPr>
+        <p:spPr/>
+        <p:txBody>
+          <a:bodyPr/>
+          <a:lstStyle/>
+          <a:p>
+            <a:fld id="{75226C37-6708-7D47-9F06-3C67D6FE7C62}" type="slidenum">
+              <a:rPr kumimoji="1" lang="ko-KR" altLang="en-US" smtClean="0"/>
+              <a:t>19</a:t>
+            </a:fld>
+            <a:endParaRPr kumimoji="1" lang="ko-KR" altLang="en-US"/>
+          </a:p>
+        </p:txBody>
+      </p:sp>
+    </p:spTree>
+    <p:extLst>
+      <p:ext uri="{BB962C8B-B14F-4D97-AF65-F5344CB8AC3E}">
+        <p14:creationId xmlns:p14="http://schemas.microsoft.com/office/powerpoint/2010/main" val="1188803770"/>
       </p:ext>
     </p:extLst>
   </p:cSld>
@@ -5490,6 +6734,380 @@
     <p:extLst>
       <p:ext uri="{BB962C8B-B14F-4D97-AF65-F5344CB8AC3E}">
         <p14:creationId xmlns:p14="http://schemas.microsoft.com/office/powerpoint/2010/main" val="1300758214"/>
+      </p:ext>
+    </p:extLst>
+  </p:cSld>
+  <p:clrMapOvr>
+    <a:masterClrMapping/>
+  </p:clrMapOvr>
+</p:notes>
+</file>
+
+<file path=ppt/notesSlides/notesSlide20.xml><?xml version="1.0" encoding="utf-8"?>
+<p:notes xmlns:a="http://schemas.openxmlformats.org/drawingml/2006/main" xmlns:r="http://schemas.openxmlformats.org/officeDocument/2006/relationships" xmlns:p="http://schemas.openxmlformats.org/presentationml/2006/main">
+  <p:cSld>
+    <p:spTree>
+      <p:nvGrpSpPr>
+        <p:cNvPr id="1" name=""/>
+        <p:cNvGrpSpPr/>
+        <p:nvPr/>
+      </p:nvGrpSpPr>
+      <p:grpSpPr>
+        <a:xfrm>
+          <a:off x="0" y="0"/>
+          <a:ext cx="0" cy="0"/>
+          <a:chOff x="0" y="0"/>
+          <a:chExt cx="0" cy="0"/>
+        </a:xfrm>
+      </p:grpSpPr>
+      <p:sp>
+        <p:nvSpPr>
+          <p:cNvPr id="2" name="슬라이드 이미지 개체 틀 1"/>
+          <p:cNvSpPr>
+            <a:spLocks noGrp="1" noRot="1" noChangeAspect="1"/>
+          </p:cNvSpPr>
+          <p:nvPr>
+            <p:ph type="sldImg"/>
+          </p:nvPr>
+        </p:nvSpPr>
+        <p:spPr/>
+      </p:sp>
+      <p:sp>
+        <p:nvSpPr>
+          <p:cNvPr id="3" name="슬라이드 노트 개체 틀 2"/>
+          <p:cNvSpPr>
+            <a:spLocks noGrp="1"/>
+          </p:cNvSpPr>
+          <p:nvPr>
+            <p:ph type="body" idx="1"/>
+          </p:nvPr>
+        </p:nvSpPr>
+        <p:spPr/>
+        <p:txBody>
+          <a:bodyPr/>
+          <a:lstStyle/>
+          <a:p>
+            <a:r>
+              <a:rPr lang="ko-KR" altLang="en-US" dirty="0">
+                <a:solidFill>
+                  <a:srgbClr val="0E0E0E"/>
+                </a:solidFill>
+                <a:effectLst/>
+                <a:latin typeface=".AppleSystemUIFont"/>
+              </a:rPr>
+              <a:t>프로젝트의 주요 한계점은 다음과 같습니다</a:t>
+            </a:r>
+            <a:r>
+              <a:rPr lang="en-US" altLang="ko-KR" dirty="0">
+                <a:solidFill>
+                  <a:srgbClr val="0E0E0E"/>
+                </a:solidFill>
+                <a:effectLst/>
+                <a:latin typeface=".AppleSystemUIFont"/>
+              </a:rPr>
+              <a:t>:</a:t>
+            </a:r>
+          </a:p>
+          <a:p>
+            <a:br>
+              <a:rPr lang="en-US" altLang="ko-KR" dirty="0">
+                <a:solidFill>
+                  <a:srgbClr val="0E0E0E"/>
+                </a:solidFill>
+                <a:effectLst/>
+                <a:latin typeface=".AppleSystemUIFont"/>
+              </a:rPr>
+            </a:br>
+            <a:r>
+              <a:rPr lang="en-US" altLang="ko-KR" dirty="0">
+                <a:solidFill>
+                  <a:srgbClr val="0E0E0E"/>
+                </a:solidFill>
+                <a:effectLst/>
+                <a:latin typeface=".AppleSystemUIFont"/>
+              </a:rPr>
+              <a:t>1. </a:t>
+            </a:r>
+            <a:r>
+              <a:rPr lang="ko-KR" altLang="en-US" dirty="0">
+                <a:solidFill>
+                  <a:srgbClr val="0E0E0E"/>
+                </a:solidFill>
+                <a:effectLst/>
+                <a:latin typeface=".AppleSystemUIFont"/>
+              </a:rPr>
+              <a:t>데이터 크기 부족으로 통계적 신뢰도가 낮아졌습니다</a:t>
+            </a:r>
+            <a:r>
+              <a:rPr lang="en-US" altLang="ko-KR" dirty="0">
+                <a:solidFill>
+                  <a:srgbClr val="0E0E0E"/>
+                </a:solidFill>
+                <a:effectLst/>
+                <a:latin typeface=".AppleSystemUIFont"/>
+              </a:rPr>
+              <a:t>.</a:t>
+            </a:r>
+          </a:p>
+          <a:p>
+            <a:pPr>
+              <a:spcBef>
+                <a:spcPts val="900"/>
+              </a:spcBef>
+            </a:pPr>
+            <a:r>
+              <a:rPr lang="en-US" altLang="ko-KR" dirty="0">
+                <a:solidFill>
+                  <a:srgbClr val="0E0E0E"/>
+                </a:solidFill>
+                <a:effectLst/>
+                <a:latin typeface=".AppleSystemUIFont"/>
+              </a:rPr>
+              <a:t>2. </a:t>
+            </a:r>
+            <a:r>
+              <a:rPr lang="ko-KR" altLang="en-US" dirty="0" err="1">
+                <a:solidFill>
+                  <a:srgbClr val="0E0E0E"/>
+                </a:solidFill>
+                <a:effectLst/>
+                <a:latin typeface=".AppleSystemUIFont"/>
+              </a:rPr>
+              <a:t>다중공선성</a:t>
+            </a:r>
+            <a:r>
+              <a:rPr lang="ko-KR" altLang="en-US" dirty="0">
+                <a:solidFill>
+                  <a:srgbClr val="0E0E0E"/>
+                </a:solidFill>
+                <a:effectLst/>
+                <a:latin typeface=".AppleSystemUIFont"/>
+              </a:rPr>
+              <a:t> 문제로 결합 효과 분석을 진행하지 못하였습니다</a:t>
+            </a:r>
+            <a:r>
+              <a:rPr lang="en-US" altLang="ko-KR" dirty="0">
+                <a:solidFill>
+                  <a:srgbClr val="0E0E0E"/>
+                </a:solidFill>
+                <a:effectLst/>
+                <a:latin typeface=".AppleSystemUIFont"/>
+              </a:rPr>
+              <a:t>.</a:t>
+            </a:r>
+          </a:p>
+          <a:p>
+            <a:pPr>
+              <a:spcBef>
+                <a:spcPts val="900"/>
+              </a:spcBef>
+            </a:pPr>
+            <a:r>
+              <a:rPr lang="en-US" altLang="ko-KR" dirty="0">
+                <a:solidFill>
+                  <a:srgbClr val="0E0E0E"/>
+                </a:solidFill>
+                <a:effectLst/>
+                <a:latin typeface=".AppleSystemUIFont"/>
+              </a:rPr>
+              <a:t>3. </a:t>
+            </a:r>
+            <a:r>
+              <a:rPr lang="ko-KR" altLang="en-US" dirty="0">
+                <a:solidFill>
+                  <a:srgbClr val="0E0E0E"/>
+                </a:solidFill>
+                <a:effectLst/>
+                <a:latin typeface=".AppleSystemUIFont"/>
+              </a:rPr>
+              <a:t>지역적</a:t>
+            </a:r>
+            <a:r>
+              <a:rPr lang="en-US" altLang="ko-KR" dirty="0">
+                <a:solidFill>
+                  <a:srgbClr val="0E0E0E"/>
+                </a:solidFill>
+                <a:effectLst/>
+                <a:latin typeface=".AppleSystemUIFont"/>
+              </a:rPr>
+              <a:t>·</a:t>
+            </a:r>
+            <a:r>
+              <a:rPr lang="ko-KR" altLang="en-US" dirty="0">
+                <a:solidFill>
+                  <a:srgbClr val="0E0E0E"/>
+                </a:solidFill>
+                <a:effectLst/>
+                <a:latin typeface=".AppleSystemUIFont"/>
+              </a:rPr>
+              <a:t>시간적 데이터가 부족해 결과를 일반화하기 어려웠습니다</a:t>
+            </a:r>
+            <a:r>
+              <a:rPr lang="en-US" altLang="ko-KR" dirty="0">
+                <a:solidFill>
+                  <a:srgbClr val="0E0E0E"/>
+                </a:solidFill>
+                <a:effectLst/>
+                <a:latin typeface=".AppleSystemUIFont"/>
+              </a:rPr>
+              <a:t>.</a:t>
+            </a:r>
+          </a:p>
+          <a:p>
+            <a:pPr>
+              <a:spcBef>
+                <a:spcPts val="900"/>
+              </a:spcBef>
+            </a:pPr>
+            <a:endParaRPr lang="en-US" altLang="ko-KR" dirty="0">
+              <a:solidFill>
+                <a:srgbClr val="0E0E0E"/>
+              </a:solidFill>
+              <a:effectLst/>
+              <a:latin typeface=".AppleSystemUIFont"/>
+            </a:endParaRPr>
+          </a:p>
+          <a:p>
+            <a:r>
+              <a:rPr lang="ko-KR" altLang="en-US" dirty="0">
+                <a:solidFill>
+                  <a:srgbClr val="0E0E0E"/>
+                </a:solidFill>
+                <a:effectLst/>
+                <a:latin typeface=".AppleSystemUIFont"/>
+              </a:rPr>
+              <a:t>이러한 한계는 추후 데이터 수집과 모델링 방법의 개선을 통해 극복할 수 있을 것으로 보입니다</a:t>
+            </a:r>
+            <a:r>
+              <a:rPr lang="en-US" altLang="ko-KR" dirty="0">
+                <a:solidFill>
+                  <a:srgbClr val="0E0E0E"/>
+                </a:solidFill>
+                <a:effectLst/>
+                <a:latin typeface=".AppleSystemUIFont"/>
+              </a:rPr>
+              <a:t>.</a:t>
+            </a:r>
+          </a:p>
+          <a:p>
+            <a:endParaRPr kumimoji="1" lang="ko-KR" altLang="en-US" dirty="0"/>
+          </a:p>
+        </p:txBody>
+      </p:sp>
+      <p:sp>
+        <p:nvSpPr>
+          <p:cNvPr id="4" name="슬라이드 번호 개체 틀 3"/>
+          <p:cNvSpPr>
+            <a:spLocks noGrp="1"/>
+          </p:cNvSpPr>
+          <p:nvPr>
+            <p:ph type="sldNum" sz="quarter" idx="5"/>
+          </p:nvPr>
+        </p:nvSpPr>
+        <p:spPr/>
+        <p:txBody>
+          <a:bodyPr/>
+          <a:lstStyle/>
+          <a:p>
+            <a:fld id="{75226C37-6708-7D47-9F06-3C67D6FE7C62}" type="slidenum">
+              <a:rPr kumimoji="1" lang="ko-KR" altLang="en-US" smtClean="0"/>
+              <a:t>20</a:t>
+            </a:fld>
+            <a:endParaRPr kumimoji="1" lang="ko-KR" altLang="en-US"/>
+          </a:p>
+        </p:txBody>
+      </p:sp>
+    </p:spTree>
+    <p:extLst>
+      <p:ext uri="{BB962C8B-B14F-4D97-AF65-F5344CB8AC3E}">
+        <p14:creationId xmlns:p14="http://schemas.microsoft.com/office/powerpoint/2010/main" val="1945691456"/>
+      </p:ext>
+    </p:extLst>
+  </p:cSld>
+  <p:clrMapOvr>
+    <a:masterClrMapping/>
+  </p:clrMapOvr>
+</p:notes>
+</file>
+
+<file path=ppt/notesSlides/notesSlide21.xml><?xml version="1.0" encoding="utf-8"?>
+<p:notes xmlns:a="http://schemas.openxmlformats.org/drawingml/2006/main" xmlns:r="http://schemas.openxmlformats.org/officeDocument/2006/relationships" xmlns:p="http://schemas.openxmlformats.org/presentationml/2006/main">
+  <p:cSld>
+    <p:spTree>
+      <p:nvGrpSpPr>
+        <p:cNvPr id="1" name=""/>
+        <p:cNvGrpSpPr/>
+        <p:nvPr/>
+      </p:nvGrpSpPr>
+      <p:grpSpPr>
+        <a:xfrm>
+          <a:off x="0" y="0"/>
+          <a:ext cx="0" cy="0"/>
+          <a:chOff x="0" y="0"/>
+          <a:chExt cx="0" cy="0"/>
+        </a:xfrm>
+      </p:grpSpPr>
+      <p:sp>
+        <p:nvSpPr>
+          <p:cNvPr id="2" name="슬라이드 이미지 개체 틀 1"/>
+          <p:cNvSpPr>
+            <a:spLocks noGrp="1" noRot="1" noChangeAspect="1"/>
+          </p:cNvSpPr>
+          <p:nvPr>
+            <p:ph type="sldImg"/>
+          </p:nvPr>
+        </p:nvSpPr>
+        <p:spPr/>
+      </p:sp>
+      <p:sp>
+        <p:nvSpPr>
+          <p:cNvPr id="3" name="슬라이드 노트 개체 틀 2"/>
+          <p:cNvSpPr>
+            <a:spLocks noGrp="1"/>
+          </p:cNvSpPr>
+          <p:nvPr>
+            <p:ph type="body" idx="1"/>
+          </p:nvPr>
+        </p:nvSpPr>
+        <p:spPr/>
+        <p:txBody>
+          <a:bodyPr/>
+          <a:lstStyle/>
+          <a:p>
+            <a:r>
+              <a:rPr kumimoji="1" lang="ko-KR" altLang="en-US" dirty="0"/>
+              <a:t>내용과 같음</a:t>
+            </a:r>
+          </a:p>
+        </p:txBody>
+      </p:sp>
+      <p:sp>
+        <p:nvSpPr>
+          <p:cNvPr id="4" name="슬라이드 번호 개체 틀 3"/>
+          <p:cNvSpPr>
+            <a:spLocks noGrp="1"/>
+          </p:cNvSpPr>
+          <p:nvPr>
+            <p:ph type="sldNum" sz="quarter" idx="5"/>
+          </p:nvPr>
+        </p:nvSpPr>
+        <p:spPr/>
+        <p:txBody>
+          <a:bodyPr/>
+          <a:lstStyle/>
+          <a:p>
+            <a:fld id="{75226C37-6708-7D47-9F06-3C67D6FE7C62}" type="slidenum">
+              <a:rPr kumimoji="1" lang="ko-KR" altLang="en-US" smtClean="0"/>
+              <a:t>21</a:t>
+            </a:fld>
+            <a:endParaRPr kumimoji="1" lang="ko-KR" altLang="en-US"/>
+          </a:p>
+        </p:txBody>
+      </p:sp>
+    </p:spTree>
+    <p:extLst>
+      <p:ext uri="{BB962C8B-B14F-4D97-AF65-F5344CB8AC3E}">
+        <p14:creationId xmlns:p14="http://schemas.microsoft.com/office/powerpoint/2010/main" val="1647538756"/>
       </p:ext>
     </p:extLst>
   </p:cSld>
@@ -10799,6 +12417,14 @@
   <p:clrMapOvr>
     <a:overrideClrMapping bg1="dk1" tx1="lt1" bg2="dk2" tx2="lt2" accent1="accent1" accent2="accent2" accent3="accent3" accent4="accent4" accent5="accent5" accent6="accent6" hlink="hlink" folHlink="folHlink"/>
   </p:clrMapOvr>
+  <mc:AlternateContent xmlns:mc="http://schemas.openxmlformats.org/markup-compatibility/2006">
+    <mc:Choice xmlns:p14="http://schemas.microsoft.com/office/powerpoint/2010/main" Requires="p14">
+      <p:transition spd="slow" p14:dur="2000" advTm="5350"/>
+    </mc:Choice>
+    <mc:Fallback>
+      <p:transition spd="slow" advTm="5350"/>
+    </mc:Fallback>
+  </mc:AlternateContent>
 </p:sld>
 </file>
 
@@ -11698,7 +13324,7 @@
 </file>
 
 <file path=ppt/slides/slide12.xml><?xml version="1.0" encoding="utf-8"?>
-<p:sld xmlns:a="http://schemas.openxmlformats.org/drawingml/2006/main" xmlns:r="http://schemas.openxmlformats.org/officeDocument/2006/relationships" xmlns:p="http://schemas.openxmlformats.org/presentationml/2006/main">
+<p:sld xmlns:a="http://schemas.openxmlformats.org/drawingml/2006/main" xmlns:r="http://schemas.openxmlformats.org/officeDocument/2006/relationships" xmlns:p="http://schemas.openxmlformats.org/presentationml/2006/main" show="0">
   <p:cSld>
     <p:spTree>
       <p:nvGrpSpPr>
@@ -11747,7 +13373,7 @@
                 <a:latin typeface="NanumGothic" panose="020D0604000000000000" pitchFamily="34" charset="-127"/>
                 <a:ea typeface="NanumGothic" panose="020D0604000000000000" pitchFamily="34" charset="-127"/>
               </a:rPr>
-              <a:t>변수 분포 그래프 확인</a:t>
+              <a:t>변수 추세 그래프 확인</a:t>
             </a:r>
           </a:p>
         </p:txBody>
@@ -11972,6 +13598,14 @@
   <p:clrMapOvr>
     <a:masterClrMapping/>
   </p:clrMapOvr>
+  <mc:AlternateContent xmlns:mc="http://schemas.openxmlformats.org/markup-compatibility/2006">
+    <mc:Choice xmlns:p14="http://schemas.microsoft.com/office/powerpoint/2010/main" Requires="p14">
+      <p:transition spd="slow" p14:dur="2000" advTm="6408"/>
+    </mc:Choice>
+    <mc:Fallback>
+      <p:transition spd="slow" advTm="6408"/>
+    </mc:Fallback>
+  </mc:AlternateContent>
 </p:sld>
 </file>
 
@@ -12460,6 +14094,14 @@
   <p:clrMapOvr>
     <a:masterClrMapping/>
   </p:clrMapOvr>
+  <mc:AlternateContent xmlns:mc="http://schemas.openxmlformats.org/markup-compatibility/2006">
+    <mc:Choice xmlns:p14="http://schemas.microsoft.com/office/powerpoint/2010/main" Requires="p14">
+      <p:transition spd="slow" p14:dur="2000" advTm="21108"/>
+    </mc:Choice>
+    <mc:Fallback>
+      <p:transition spd="slow" advTm="21108"/>
+    </mc:Fallback>
+  </mc:AlternateContent>
 </p:sld>
 </file>
 
@@ -12582,7 +14224,7 @@
           <p:nvPr/>
         </p:nvPicPr>
         <p:blipFill>
-          <a:blip r:embed="rId2"/>
+          <a:blip r:embed="rId3"/>
           <a:stretch>
             <a:fillRect/>
           </a:stretch>
@@ -12660,6 +14302,14 @@
   <p:clrMapOvr>
     <a:masterClrMapping/>
   </p:clrMapOvr>
+  <mc:AlternateContent xmlns:mc="http://schemas.openxmlformats.org/markup-compatibility/2006">
+    <mc:Choice xmlns:p14="http://schemas.microsoft.com/office/powerpoint/2010/main" Requires="p14">
+      <p:transition spd="slow" p14:dur="2000" advTm="4945"/>
+    </mc:Choice>
+    <mc:Fallback>
+      <p:transition spd="slow" advTm="4945"/>
+    </mc:Fallback>
+  </mc:AlternateContent>
 </p:sld>
 </file>
 
@@ -12788,7 +14438,7 @@
           <p:nvPr/>
         </p:nvPicPr>
         <p:blipFill>
-          <a:blip r:embed="rId2"/>
+          <a:blip r:embed="rId3"/>
           <a:stretch>
             <a:fillRect/>
           </a:stretch>
@@ -12818,7 +14468,7 @@
           <p:nvPr/>
         </p:nvPicPr>
         <p:blipFill>
-          <a:blip r:embed="rId3"/>
+          <a:blip r:embed="rId4"/>
           <a:stretch>
             <a:fillRect/>
           </a:stretch>
@@ -12895,6 +14545,14 @@
   <p:clrMapOvr>
     <a:masterClrMapping/>
   </p:clrMapOvr>
+  <mc:AlternateContent xmlns:mc="http://schemas.openxmlformats.org/markup-compatibility/2006">
+    <mc:Choice xmlns:p14="http://schemas.microsoft.com/office/powerpoint/2010/main" Requires="p14">
+      <p:transition spd="slow" p14:dur="2000" advTm="669"/>
+    </mc:Choice>
+    <mc:Fallback>
+      <p:transition spd="slow" advTm="669"/>
+    </mc:Fallback>
+  </mc:AlternateContent>
 </p:sld>
 </file>
 
@@ -13101,6 +14759,14 @@
   <p:clrMapOvr>
     <a:masterClrMapping/>
   </p:clrMapOvr>
+  <mc:AlternateContent xmlns:mc="http://schemas.openxmlformats.org/markup-compatibility/2006">
+    <mc:Choice xmlns:p14="http://schemas.microsoft.com/office/powerpoint/2010/main" Requires="p14">
+      <p:transition spd="slow" p14:dur="2000" advTm="543"/>
+    </mc:Choice>
+    <mc:Fallback>
+      <p:transition spd="slow" advTm="543"/>
+    </mc:Fallback>
+  </mc:AlternateContent>
 </p:sld>
 </file>
 
@@ -13229,7 +14895,7 @@
           <p:nvPr/>
         </p:nvPicPr>
         <p:blipFill>
-          <a:blip r:embed="rId2"/>
+          <a:blip r:embed="rId3"/>
           <a:stretch>
             <a:fillRect/>
           </a:stretch>
@@ -13259,7 +14925,7 @@
           <p:nvPr/>
         </p:nvPicPr>
         <p:blipFill>
-          <a:blip r:embed="rId3"/>
+          <a:blip r:embed="rId4"/>
           <a:stretch>
             <a:fillRect/>
           </a:stretch>
@@ -13336,6 +15002,14 @@
   <p:clrMapOvr>
     <a:masterClrMapping/>
   </p:clrMapOvr>
+  <mc:AlternateContent xmlns:mc="http://schemas.openxmlformats.org/markup-compatibility/2006">
+    <mc:Choice xmlns:p14="http://schemas.microsoft.com/office/powerpoint/2010/main" Requires="p14">
+      <p:transition spd="slow" p14:dur="2000" advTm="815"/>
+    </mc:Choice>
+    <mc:Fallback>
+      <p:transition spd="slow" advTm="815"/>
+    </mc:Fallback>
+  </mc:AlternateContent>
 </p:sld>
 </file>
 
@@ -13947,6 +15621,14 @@
   <p:clrMapOvr>
     <a:masterClrMapping/>
   </p:clrMapOvr>
+  <mc:AlternateContent xmlns:mc="http://schemas.openxmlformats.org/markup-compatibility/2006">
+    <mc:Choice xmlns:p14="http://schemas.microsoft.com/office/powerpoint/2010/main" Requires="p14">
+      <p:transition spd="slow" p14:dur="2000" advTm="2414"/>
+    </mc:Choice>
+    <mc:Fallback>
+      <p:transition spd="slow" advTm="2414"/>
+    </mc:Fallback>
+  </mc:AlternateContent>
 </p:sld>
 </file>
 
@@ -14295,6 +15977,14 @@
   <p:clrMapOvr>
     <a:masterClrMapping/>
   </p:clrMapOvr>
+  <mc:AlternateContent xmlns:mc="http://schemas.openxmlformats.org/markup-compatibility/2006">
+    <mc:Choice xmlns:p14="http://schemas.microsoft.com/office/powerpoint/2010/main" Requires="p14">
+      <p:transition spd="slow" p14:dur="2000" advTm="5821"/>
+    </mc:Choice>
+    <mc:Fallback>
+      <p:transition spd="slow" advTm="5821"/>
+    </mc:Fallback>
+  </mc:AlternateContent>
 </p:sld>
 </file>
 
@@ -15881,6 +17571,14 @@
   <p:clrMapOvr>
     <a:masterClrMapping/>
   </p:clrMapOvr>
+  <mc:AlternateContent xmlns:mc="http://schemas.openxmlformats.org/markup-compatibility/2006">
+    <mc:Choice xmlns:p14="http://schemas.microsoft.com/office/powerpoint/2010/main" Requires="p14">
+      <p:transition spd="slow" p14:dur="2000" advTm="4626"/>
+    </mc:Choice>
+    <mc:Fallback>
+      <p:transition spd="slow" advTm="4626"/>
+    </mc:Fallback>
+  </mc:AlternateContent>
 </p:sld>
 </file>
 
@@ -16053,7 +17751,7 @@
         </p:xfrm>
         <a:graphic>
           <a:graphicData uri="http://schemas.openxmlformats.org/drawingml/2006/diagram">
-            <dgm:relIds xmlns:dgm="http://schemas.openxmlformats.org/drawingml/2006/diagram" xmlns:r="http://schemas.openxmlformats.org/officeDocument/2006/relationships" r:dm="rId2" r:lo="rId3" r:qs="rId4" r:cs="rId5"/>
+            <dgm:relIds xmlns:dgm="http://schemas.openxmlformats.org/drawingml/2006/diagram" xmlns:r="http://schemas.openxmlformats.org/officeDocument/2006/relationships" r:dm="rId3" r:lo="rId4" r:qs="rId5" r:cs="rId6"/>
           </a:graphicData>
         </a:graphic>
       </p:graphicFrame>
@@ -16067,6 +17765,14 @@
   <p:clrMapOvr>
     <a:masterClrMapping/>
   </p:clrMapOvr>
+  <mc:AlternateContent xmlns:mc="http://schemas.openxmlformats.org/markup-compatibility/2006">
+    <mc:Choice xmlns:p14="http://schemas.microsoft.com/office/powerpoint/2010/main" Requires="p14">
+      <p:transition spd="slow" p14:dur="2000" advTm="2737"/>
+    </mc:Choice>
+    <mc:Fallback>
+      <p:transition spd="slow" advTm="2737"/>
+    </mc:Fallback>
+  </mc:AlternateContent>
 </p:sld>
 </file>
 
@@ -16145,6 +17851,14 @@
   <p:clrMapOvr>
     <a:masterClrMapping/>
   </p:clrMapOvr>
+  <mc:AlternateContent xmlns:mc="http://schemas.openxmlformats.org/markup-compatibility/2006">
+    <mc:Choice xmlns:p14="http://schemas.microsoft.com/office/powerpoint/2010/main" Requires="p14">
+      <p:transition spd="slow" p14:dur="2000" advTm="583"/>
+    </mc:Choice>
+    <mc:Fallback>
+      <p:transition spd="slow" advTm="583"/>
+    </mc:Fallback>
+  </mc:AlternateContent>
 </p:sld>
 </file>
 
